--- a/icon.pptx
+++ b/icon.pptx
@@ -2,19 +2,20 @@
 <file path=ppt/presentation.xml><?xml version="1.0" encoding="utf-8"?>
 <p:presentation xmlns:a="http://schemas.openxmlformats.org/drawingml/2006/main" xmlns:r="http://schemas.openxmlformats.org/officeDocument/2006/relationships" xmlns:p="http://schemas.openxmlformats.org/presentationml/2006/main" saveSubsetFonts="1">
   <p:sldMasterIdLst>
-    <p:sldMasterId id="2147483648" r:id="rId1"/>
+    <p:sldMasterId id="2147483660" r:id="rId1"/>
   </p:sldMasterIdLst>
   <p:sldIdLst>
     <p:sldId id="256" r:id="rId2"/>
+    <p:sldId id="257" r:id="rId3"/>
   </p:sldIdLst>
-  <p:sldSz cx="12192000" cy="6858000"/>
+  <p:sldSz cx="3124200" cy="3124200"/>
   <p:notesSz cx="6858000" cy="9144000"/>
   <p:defaultTextStyle>
     <a:defPPr>
-      <a:defRPr lang="ja-JP"/>
+      <a:defRPr lang="en-US"/>
     </a:defPPr>
-    <a:lvl1pPr marL="0" algn="l" defTabSz="914400" rtl="0" eaLnBrk="1" latinLnBrk="0" hangingPunct="1">
-      <a:defRPr kumimoji="1" sz="1800" kern="1200">
+    <a:lvl1pPr marL="0" algn="l" defTabSz="457200" rtl="0" eaLnBrk="1" latinLnBrk="0" hangingPunct="1">
+      <a:defRPr sz="1800" kern="1200">
         <a:solidFill>
           <a:schemeClr val="tx1"/>
         </a:solidFill>
@@ -23,8 +24,8 @@
         <a:cs typeface="+mn-cs"/>
       </a:defRPr>
     </a:lvl1pPr>
-    <a:lvl2pPr marL="457200" algn="l" defTabSz="914400" rtl="0" eaLnBrk="1" latinLnBrk="0" hangingPunct="1">
-      <a:defRPr kumimoji="1" sz="1800" kern="1200">
+    <a:lvl2pPr marL="457200" algn="l" defTabSz="457200" rtl="0" eaLnBrk="1" latinLnBrk="0" hangingPunct="1">
+      <a:defRPr sz="1800" kern="1200">
         <a:solidFill>
           <a:schemeClr val="tx1"/>
         </a:solidFill>
@@ -33,8 +34,8 @@
         <a:cs typeface="+mn-cs"/>
       </a:defRPr>
     </a:lvl2pPr>
-    <a:lvl3pPr marL="914400" algn="l" defTabSz="914400" rtl="0" eaLnBrk="1" latinLnBrk="0" hangingPunct="1">
-      <a:defRPr kumimoji="1" sz="1800" kern="1200">
+    <a:lvl3pPr marL="914400" algn="l" defTabSz="457200" rtl="0" eaLnBrk="1" latinLnBrk="0" hangingPunct="1">
+      <a:defRPr sz="1800" kern="1200">
         <a:solidFill>
           <a:schemeClr val="tx1"/>
         </a:solidFill>
@@ -43,8 +44,8 @@
         <a:cs typeface="+mn-cs"/>
       </a:defRPr>
     </a:lvl3pPr>
-    <a:lvl4pPr marL="1371600" algn="l" defTabSz="914400" rtl="0" eaLnBrk="1" latinLnBrk="0" hangingPunct="1">
-      <a:defRPr kumimoji="1" sz="1800" kern="1200">
+    <a:lvl4pPr marL="1371600" algn="l" defTabSz="457200" rtl="0" eaLnBrk="1" latinLnBrk="0" hangingPunct="1">
+      <a:defRPr sz="1800" kern="1200">
         <a:solidFill>
           <a:schemeClr val="tx1"/>
         </a:solidFill>
@@ -53,8 +54,8 @@
         <a:cs typeface="+mn-cs"/>
       </a:defRPr>
     </a:lvl4pPr>
-    <a:lvl5pPr marL="1828800" algn="l" defTabSz="914400" rtl="0" eaLnBrk="1" latinLnBrk="0" hangingPunct="1">
-      <a:defRPr kumimoji="1" sz="1800" kern="1200">
+    <a:lvl5pPr marL="1828800" algn="l" defTabSz="457200" rtl="0" eaLnBrk="1" latinLnBrk="0" hangingPunct="1">
+      <a:defRPr sz="1800" kern="1200">
         <a:solidFill>
           <a:schemeClr val="tx1"/>
         </a:solidFill>
@@ -63,8 +64,8 @@
         <a:cs typeface="+mn-cs"/>
       </a:defRPr>
     </a:lvl5pPr>
-    <a:lvl6pPr marL="2286000" algn="l" defTabSz="914400" rtl="0" eaLnBrk="1" latinLnBrk="0" hangingPunct="1">
-      <a:defRPr kumimoji="1" sz="1800" kern="1200">
+    <a:lvl6pPr marL="2286000" algn="l" defTabSz="457200" rtl="0" eaLnBrk="1" latinLnBrk="0" hangingPunct="1">
+      <a:defRPr sz="1800" kern="1200">
         <a:solidFill>
           <a:schemeClr val="tx1"/>
         </a:solidFill>
@@ -73,8 +74,8 @@
         <a:cs typeface="+mn-cs"/>
       </a:defRPr>
     </a:lvl6pPr>
-    <a:lvl7pPr marL="2743200" algn="l" defTabSz="914400" rtl="0" eaLnBrk="1" latinLnBrk="0" hangingPunct="1">
-      <a:defRPr kumimoji="1" sz="1800" kern="1200">
+    <a:lvl7pPr marL="2743200" algn="l" defTabSz="457200" rtl="0" eaLnBrk="1" latinLnBrk="0" hangingPunct="1">
+      <a:defRPr sz="1800" kern="1200">
         <a:solidFill>
           <a:schemeClr val="tx1"/>
         </a:solidFill>
@@ -83,8 +84,8 @@
         <a:cs typeface="+mn-cs"/>
       </a:defRPr>
     </a:lvl7pPr>
-    <a:lvl8pPr marL="3200400" algn="l" defTabSz="914400" rtl="0" eaLnBrk="1" latinLnBrk="0" hangingPunct="1">
-      <a:defRPr kumimoji="1" sz="1800" kern="1200">
+    <a:lvl8pPr marL="3200400" algn="l" defTabSz="457200" rtl="0" eaLnBrk="1" latinLnBrk="0" hangingPunct="1">
+      <a:defRPr sz="1800" kern="1200">
         <a:solidFill>
           <a:schemeClr val="tx1"/>
         </a:solidFill>
@@ -93,8 +94,8 @@
         <a:cs typeface="+mn-cs"/>
       </a:defRPr>
     </a:lvl8pPr>
-    <a:lvl9pPr marL="3657600" algn="l" defTabSz="914400" rtl="0" eaLnBrk="1" latinLnBrk="0" hangingPunct="1">
-      <a:defRPr kumimoji="1" sz="1800" kern="1200">
+    <a:lvl9pPr marL="3657600" algn="l" defTabSz="457200" rtl="0" eaLnBrk="1" latinLnBrk="0" hangingPunct="1">
+      <a:defRPr sz="1800" kern="1200">
         <a:solidFill>
           <a:schemeClr val="tx1"/>
         </a:solidFill>
@@ -131,13 +132,7 @@
       </p:grpSpPr>
       <p:sp>
         <p:nvSpPr>
-          <p:cNvPr id="2" name="タイトル 1">
-            <a:extLst>
-              <a:ext uri="{FF2B5EF4-FFF2-40B4-BE49-F238E27FC236}">
-                <a16:creationId xmlns:a16="http://schemas.microsoft.com/office/drawing/2014/main" id="{878DCAF7-CDDA-4856-94C6-FE3FD9D30F6F}"/>
-              </a:ext>
-            </a:extLst>
-          </p:cNvPr>
+          <p:cNvPr id="2" name="Title 1"/>
           <p:cNvSpPr>
             <a:spLocks noGrp="1"/>
           </p:cNvSpPr>
@@ -147,34 +142,29 @@
         </p:nvSpPr>
         <p:spPr>
           <a:xfrm>
-            <a:off x="1524000" y="1122363"/>
-            <a:ext cx="9144000" cy="2387600"/>
+            <a:off x="234315" y="511299"/>
+            <a:ext cx="2655570" cy="1087684"/>
           </a:xfrm>
         </p:spPr>
         <p:txBody>
           <a:bodyPr anchor="b"/>
           <a:lstStyle>
             <a:lvl1pPr algn="ctr">
-              <a:defRPr sz="6000"/>
+              <a:defRPr sz="2050"/>
             </a:lvl1pPr>
           </a:lstStyle>
           <a:p>
             <a:r>
-              <a:rPr kumimoji="1" lang="ja-JP" altLang="en-US"/>
+              <a:rPr lang="ja-JP" altLang="en-US"/>
               <a:t>マスター タイトルの書式設定</a:t>
             </a:r>
-          </a:p>
-        </p:txBody>
-      </p:sp>
-      <p:sp>
-        <p:nvSpPr>
-          <p:cNvPr id="3" name="字幕 2">
-            <a:extLst>
-              <a:ext uri="{FF2B5EF4-FFF2-40B4-BE49-F238E27FC236}">
-                <a16:creationId xmlns:a16="http://schemas.microsoft.com/office/drawing/2014/main" id="{8E87F4AB-BFC6-4744-8EEA-9202E4638790}"/>
-              </a:ext>
-            </a:extLst>
-          </p:cNvPr>
+            <a:endParaRPr lang="en-US" dirty="0"/>
+          </a:p>
+        </p:txBody>
+      </p:sp>
+      <p:sp>
+        <p:nvSpPr>
+          <p:cNvPr id="3" name="Subtitle 2"/>
           <p:cNvSpPr>
             <a:spLocks noGrp="1"/>
           </p:cNvSpPr>
@@ -184,8 +174,8 @@
         </p:nvSpPr>
         <p:spPr>
           <a:xfrm>
-            <a:off x="1524000" y="3602038"/>
-            <a:ext cx="9144000" cy="1655762"/>
+            <a:off x="390525" y="1640928"/>
+            <a:ext cx="2343150" cy="754292"/>
           </a:xfrm>
         </p:spPr>
         <p:txBody>
@@ -193,58 +183,53 @@
           <a:lstStyle>
             <a:lvl1pPr marL="0" indent="0" algn="ctr">
               <a:buNone/>
-              <a:defRPr sz="2400"/>
+              <a:defRPr sz="820"/>
             </a:lvl1pPr>
-            <a:lvl2pPr marL="457200" indent="0" algn="ctr">
-              <a:buNone/>
-              <a:defRPr sz="2000"/>
+            <a:lvl2pPr marL="156225" indent="0" algn="ctr">
+              <a:buNone/>
+              <a:defRPr sz="683"/>
             </a:lvl2pPr>
-            <a:lvl3pPr marL="914400" indent="0" algn="ctr">
-              <a:buNone/>
-              <a:defRPr sz="1800"/>
+            <a:lvl3pPr marL="312450" indent="0" algn="ctr">
+              <a:buNone/>
+              <a:defRPr sz="615"/>
             </a:lvl3pPr>
-            <a:lvl4pPr marL="1371600" indent="0" algn="ctr">
-              <a:buNone/>
-              <a:defRPr sz="1600"/>
+            <a:lvl4pPr marL="468676" indent="0" algn="ctr">
+              <a:buNone/>
+              <a:defRPr sz="547"/>
             </a:lvl4pPr>
-            <a:lvl5pPr marL="1828800" indent="0" algn="ctr">
-              <a:buNone/>
-              <a:defRPr sz="1600"/>
+            <a:lvl5pPr marL="624901" indent="0" algn="ctr">
+              <a:buNone/>
+              <a:defRPr sz="547"/>
             </a:lvl5pPr>
-            <a:lvl6pPr marL="2286000" indent="0" algn="ctr">
-              <a:buNone/>
-              <a:defRPr sz="1600"/>
+            <a:lvl6pPr marL="781126" indent="0" algn="ctr">
+              <a:buNone/>
+              <a:defRPr sz="547"/>
             </a:lvl6pPr>
-            <a:lvl7pPr marL="2743200" indent="0" algn="ctr">
-              <a:buNone/>
-              <a:defRPr sz="1600"/>
+            <a:lvl7pPr marL="937351" indent="0" algn="ctr">
+              <a:buNone/>
+              <a:defRPr sz="547"/>
             </a:lvl7pPr>
-            <a:lvl8pPr marL="3200400" indent="0" algn="ctr">
-              <a:buNone/>
-              <a:defRPr sz="1600"/>
+            <a:lvl8pPr marL="1093577" indent="0" algn="ctr">
+              <a:buNone/>
+              <a:defRPr sz="547"/>
             </a:lvl8pPr>
-            <a:lvl9pPr marL="3657600" indent="0" algn="ctr">
-              <a:buNone/>
-              <a:defRPr sz="1600"/>
+            <a:lvl9pPr marL="1249802" indent="0" algn="ctr">
+              <a:buNone/>
+              <a:defRPr sz="547"/>
             </a:lvl9pPr>
           </a:lstStyle>
           <a:p>
             <a:r>
-              <a:rPr kumimoji="1" lang="ja-JP" altLang="en-US"/>
+              <a:rPr lang="ja-JP" altLang="en-US"/>
               <a:t>マスター サブタイトルの書式設定</a:t>
             </a:r>
-          </a:p>
-        </p:txBody>
-      </p:sp>
-      <p:sp>
-        <p:nvSpPr>
-          <p:cNvPr id="4" name="日付プレースホルダー 3">
-            <a:extLst>
-              <a:ext uri="{FF2B5EF4-FFF2-40B4-BE49-F238E27FC236}">
-                <a16:creationId xmlns:a16="http://schemas.microsoft.com/office/drawing/2014/main" id="{7D1E84C6-334E-4E96-B9E8-0843C763A97C}"/>
-              </a:ext>
-            </a:extLst>
-          </p:cNvPr>
+            <a:endParaRPr lang="en-US" dirty="0"/>
+          </a:p>
+        </p:txBody>
+      </p:sp>
+      <p:sp>
+        <p:nvSpPr>
+          <p:cNvPr id="4" name="Date Placeholder 3"/>
           <p:cNvSpPr>
             <a:spLocks noGrp="1"/>
           </p:cNvSpPr>
@@ -267,13 +252,7 @@
       </p:sp>
       <p:sp>
         <p:nvSpPr>
-          <p:cNvPr id="5" name="フッター プレースホルダー 4">
-            <a:extLst>
-              <a:ext uri="{FF2B5EF4-FFF2-40B4-BE49-F238E27FC236}">
-                <a16:creationId xmlns:a16="http://schemas.microsoft.com/office/drawing/2014/main" id="{9E23F828-01CB-49B8-87E4-7B7ED2DDABBB}"/>
-              </a:ext>
-            </a:extLst>
-          </p:cNvPr>
+          <p:cNvPr id="5" name="Footer Placeholder 4"/>
           <p:cNvSpPr>
             <a:spLocks noGrp="1"/>
           </p:cNvSpPr>
@@ -292,13 +271,7 @@
       </p:sp>
       <p:sp>
         <p:nvSpPr>
-          <p:cNvPr id="6" name="スライド番号プレースホルダー 5">
-            <a:extLst>
-              <a:ext uri="{FF2B5EF4-FFF2-40B4-BE49-F238E27FC236}">
-                <a16:creationId xmlns:a16="http://schemas.microsoft.com/office/drawing/2014/main" id="{9BB1F62D-F237-4DE3-98B7-329B3DE3E485}"/>
-              </a:ext>
-            </a:extLst>
-          </p:cNvPr>
+          <p:cNvPr id="6" name="Slide Number Placeholder 5"/>
           <p:cNvSpPr>
             <a:spLocks noGrp="1"/>
           </p:cNvSpPr>
@@ -322,7 +295,7 @@
     </p:spTree>
     <p:extLst>
       <p:ext uri="{BB962C8B-B14F-4D97-AF65-F5344CB8AC3E}">
-        <p14:creationId xmlns:p14="http://schemas.microsoft.com/office/powerpoint/2010/main" val="1168558345"/>
+        <p14:creationId xmlns:p14="http://schemas.microsoft.com/office/powerpoint/2010/main" val="2717030918"/>
       </p:ext>
     </p:extLst>
   </p:cSld>
@@ -351,13 +324,7 @@
       </p:grpSpPr>
       <p:sp>
         <p:nvSpPr>
-          <p:cNvPr id="2" name="タイトル 1">
-            <a:extLst>
-              <a:ext uri="{FF2B5EF4-FFF2-40B4-BE49-F238E27FC236}">
-                <a16:creationId xmlns:a16="http://schemas.microsoft.com/office/drawing/2014/main" id="{606B82C6-EA91-4012-9834-3A50EA6AEF11}"/>
-              </a:ext>
-            </a:extLst>
-          </p:cNvPr>
+          <p:cNvPr id="2" name="Title 1"/>
           <p:cNvSpPr>
             <a:spLocks noGrp="1"/>
           </p:cNvSpPr>
@@ -371,21 +338,16 @@
           <a:lstStyle/>
           <a:p>
             <a:r>
-              <a:rPr kumimoji="1" lang="ja-JP" altLang="en-US"/>
+              <a:rPr lang="ja-JP" altLang="en-US"/>
               <a:t>マスター タイトルの書式設定</a:t>
             </a:r>
-          </a:p>
-        </p:txBody>
-      </p:sp>
-      <p:sp>
-        <p:nvSpPr>
-          <p:cNvPr id="3" name="縦書きテキスト プレースホルダー 2">
-            <a:extLst>
-              <a:ext uri="{FF2B5EF4-FFF2-40B4-BE49-F238E27FC236}">
-                <a16:creationId xmlns:a16="http://schemas.microsoft.com/office/drawing/2014/main" id="{02A236DA-6891-499C-8924-8AE3D5E483E4}"/>
-              </a:ext>
-            </a:extLst>
-          </p:cNvPr>
+            <a:endParaRPr lang="en-US" dirty="0"/>
+          </a:p>
+        </p:txBody>
+      </p:sp>
+      <p:sp>
+        <p:nvSpPr>
+          <p:cNvPr id="3" name="Vertical Text Placeholder 2"/>
           <p:cNvSpPr>
             <a:spLocks noGrp="1"/>
           </p:cNvSpPr>
@@ -400,81 +362,76 @@
           <a:p>
             <a:pPr lvl="0"/>
             <a:r>
-              <a:rPr kumimoji="1" lang="ja-JP" altLang="en-US"/>
+              <a:rPr lang="ja-JP" altLang="en-US"/>
               <a:t>マスター テキストの書式設定</a:t>
             </a:r>
           </a:p>
           <a:p>
             <a:pPr lvl="1"/>
             <a:r>
-              <a:rPr kumimoji="1" lang="ja-JP" altLang="en-US"/>
+              <a:rPr lang="ja-JP" altLang="en-US"/>
               <a:t>第 </a:t>
             </a:r>
             <a:r>
-              <a:rPr kumimoji="1" lang="en-US" altLang="ja-JP"/>
+              <a:rPr lang="en-US" altLang="ja-JP"/>
               <a:t>2 </a:t>
             </a:r>
             <a:r>
-              <a:rPr kumimoji="1" lang="ja-JP" altLang="en-US"/>
+              <a:rPr lang="ja-JP" altLang="en-US"/>
               <a:t>レベル</a:t>
             </a:r>
           </a:p>
           <a:p>
             <a:pPr lvl="2"/>
             <a:r>
-              <a:rPr kumimoji="1" lang="ja-JP" altLang="en-US"/>
+              <a:rPr lang="ja-JP" altLang="en-US"/>
               <a:t>第 </a:t>
             </a:r>
             <a:r>
-              <a:rPr kumimoji="1" lang="en-US" altLang="ja-JP"/>
+              <a:rPr lang="en-US" altLang="ja-JP"/>
               <a:t>3 </a:t>
             </a:r>
             <a:r>
-              <a:rPr kumimoji="1" lang="ja-JP" altLang="en-US"/>
+              <a:rPr lang="ja-JP" altLang="en-US"/>
               <a:t>レベル</a:t>
             </a:r>
           </a:p>
           <a:p>
             <a:pPr lvl="3"/>
             <a:r>
-              <a:rPr kumimoji="1" lang="ja-JP" altLang="en-US"/>
+              <a:rPr lang="ja-JP" altLang="en-US"/>
               <a:t>第 </a:t>
             </a:r>
             <a:r>
-              <a:rPr kumimoji="1" lang="en-US" altLang="ja-JP"/>
+              <a:rPr lang="en-US" altLang="ja-JP"/>
               <a:t>4 </a:t>
             </a:r>
             <a:r>
-              <a:rPr kumimoji="1" lang="ja-JP" altLang="en-US"/>
+              <a:rPr lang="ja-JP" altLang="en-US"/>
               <a:t>レベル</a:t>
             </a:r>
           </a:p>
           <a:p>
             <a:pPr lvl="4"/>
             <a:r>
-              <a:rPr kumimoji="1" lang="ja-JP" altLang="en-US"/>
+              <a:rPr lang="ja-JP" altLang="en-US"/>
               <a:t>第 </a:t>
             </a:r>
             <a:r>
-              <a:rPr kumimoji="1" lang="en-US" altLang="ja-JP"/>
+              <a:rPr lang="en-US" altLang="ja-JP"/>
               <a:t>5 </a:t>
             </a:r>
             <a:r>
-              <a:rPr kumimoji="1" lang="ja-JP" altLang="en-US"/>
+              <a:rPr lang="ja-JP" altLang="en-US"/>
               <a:t>レベル</a:t>
             </a:r>
-          </a:p>
-        </p:txBody>
-      </p:sp>
-      <p:sp>
-        <p:nvSpPr>
-          <p:cNvPr id="4" name="日付プレースホルダー 3">
-            <a:extLst>
-              <a:ext uri="{FF2B5EF4-FFF2-40B4-BE49-F238E27FC236}">
-                <a16:creationId xmlns:a16="http://schemas.microsoft.com/office/drawing/2014/main" id="{473D8FC5-3BF4-452A-A283-A3EB20F5ED82}"/>
-              </a:ext>
-            </a:extLst>
-          </p:cNvPr>
+            <a:endParaRPr lang="en-US" dirty="0"/>
+          </a:p>
+        </p:txBody>
+      </p:sp>
+      <p:sp>
+        <p:nvSpPr>
+          <p:cNvPr id="4" name="Date Placeholder 3"/>
           <p:cNvSpPr>
             <a:spLocks noGrp="1"/>
           </p:cNvSpPr>
@@ -497,13 +454,7 @@
       </p:sp>
       <p:sp>
         <p:nvSpPr>
-          <p:cNvPr id="5" name="フッター プレースホルダー 4">
-            <a:extLst>
-              <a:ext uri="{FF2B5EF4-FFF2-40B4-BE49-F238E27FC236}">
-                <a16:creationId xmlns:a16="http://schemas.microsoft.com/office/drawing/2014/main" id="{B5685954-3B0A-48BB-BCC2-313211BCC8D7}"/>
-              </a:ext>
-            </a:extLst>
-          </p:cNvPr>
+          <p:cNvPr id="5" name="Footer Placeholder 4"/>
           <p:cNvSpPr>
             <a:spLocks noGrp="1"/>
           </p:cNvSpPr>
@@ -522,13 +473,7 @@
       </p:sp>
       <p:sp>
         <p:nvSpPr>
-          <p:cNvPr id="6" name="スライド番号プレースホルダー 5">
-            <a:extLst>
-              <a:ext uri="{FF2B5EF4-FFF2-40B4-BE49-F238E27FC236}">
-                <a16:creationId xmlns:a16="http://schemas.microsoft.com/office/drawing/2014/main" id="{BF1731C5-E8E1-410C-BED6-464FAB799061}"/>
-              </a:ext>
-            </a:extLst>
-          </p:cNvPr>
+          <p:cNvPr id="6" name="Slide Number Placeholder 5"/>
           <p:cNvSpPr>
             <a:spLocks noGrp="1"/>
           </p:cNvSpPr>
@@ -552,7 +497,7 @@
     </p:spTree>
     <p:extLst>
       <p:ext uri="{BB962C8B-B14F-4D97-AF65-F5344CB8AC3E}">
-        <p14:creationId xmlns:p14="http://schemas.microsoft.com/office/powerpoint/2010/main" val="2987333996"/>
+        <p14:creationId xmlns:p14="http://schemas.microsoft.com/office/powerpoint/2010/main" val="3784102122"/>
       </p:ext>
     </p:extLst>
   </p:cSld>
@@ -581,13 +526,7 @@
       </p:grpSpPr>
       <p:sp>
         <p:nvSpPr>
-          <p:cNvPr id="2" name="縦書きタイトル 1">
-            <a:extLst>
-              <a:ext uri="{FF2B5EF4-FFF2-40B4-BE49-F238E27FC236}">
-                <a16:creationId xmlns:a16="http://schemas.microsoft.com/office/drawing/2014/main" id="{52BA2A2B-2256-4E58-90B5-2C90FB647EA8}"/>
-              </a:ext>
-            </a:extLst>
-          </p:cNvPr>
+          <p:cNvPr id="2" name="Vertical Title 1"/>
           <p:cNvSpPr>
             <a:spLocks noGrp="1"/>
           </p:cNvSpPr>
@@ -597,8 +536,8 @@
         </p:nvSpPr>
         <p:spPr>
           <a:xfrm>
-            <a:off x="8724900" y="365125"/>
-            <a:ext cx="2628900" cy="5811838"/>
+            <a:off x="2235756" y="166335"/>
+            <a:ext cx="673656" cy="2647615"/>
           </a:xfrm>
         </p:spPr>
         <p:txBody>
@@ -606,21 +545,16 @@
           <a:lstStyle/>
           <a:p>
             <a:r>
-              <a:rPr kumimoji="1" lang="ja-JP" altLang="en-US"/>
+              <a:rPr lang="ja-JP" altLang="en-US"/>
               <a:t>マスター タイトルの書式設定</a:t>
             </a:r>
-          </a:p>
-        </p:txBody>
-      </p:sp>
-      <p:sp>
-        <p:nvSpPr>
-          <p:cNvPr id="3" name="縦書きテキスト プレースホルダー 2">
-            <a:extLst>
-              <a:ext uri="{FF2B5EF4-FFF2-40B4-BE49-F238E27FC236}">
-                <a16:creationId xmlns:a16="http://schemas.microsoft.com/office/drawing/2014/main" id="{EA3172ED-D182-458E-AD90-23917267F2C0}"/>
-              </a:ext>
-            </a:extLst>
-          </p:cNvPr>
+            <a:endParaRPr lang="en-US" dirty="0"/>
+          </a:p>
+        </p:txBody>
+      </p:sp>
+      <p:sp>
+        <p:nvSpPr>
+          <p:cNvPr id="3" name="Vertical Text Placeholder 2"/>
           <p:cNvSpPr>
             <a:spLocks noGrp="1"/>
           </p:cNvSpPr>
@@ -630,8 +564,8 @@
         </p:nvSpPr>
         <p:spPr>
           <a:xfrm>
-            <a:off x="838200" y="365125"/>
-            <a:ext cx="7734300" cy="5811838"/>
+            <a:off x="214789" y="166335"/>
+            <a:ext cx="1981914" cy="2647615"/>
           </a:xfrm>
         </p:spPr>
         <p:txBody>
@@ -640,81 +574,76 @@
           <a:p>
             <a:pPr lvl="0"/>
             <a:r>
-              <a:rPr kumimoji="1" lang="ja-JP" altLang="en-US"/>
+              <a:rPr lang="ja-JP" altLang="en-US"/>
               <a:t>マスター テキストの書式設定</a:t>
             </a:r>
           </a:p>
           <a:p>
             <a:pPr lvl="1"/>
             <a:r>
-              <a:rPr kumimoji="1" lang="ja-JP" altLang="en-US"/>
+              <a:rPr lang="ja-JP" altLang="en-US"/>
               <a:t>第 </a:t>
             </a:r>
             <a:r>
-              <a:rPr kumimoji="1" lang="en-US" altLang="ja-JP"/>
+              <a:rPr lang="en-US" altLang="ja-JP"/>
               <a:t>2 </a:t>
             </a:r>
             <a:r>
-              <a:rPr kumimoji="1" lang="ja-JP" altLang="en-US"/>
+              <a:rPr lang="ja-JP" altLang="en-US"/>
               <a:t>レベル</a:t>
             </a:r>
           </a:p>
           <a:p>
             <a:pPr lvl="2"/>
             <a:r>
-              <a:rPr kumimoji="1" lang="ja-JP" altLang="en-US"/>
+              <a:rPr lang="ja-JP" altLang="en-US"/>
               <a:t>第 </a:t>
             </a:r>
             <a:r>
-              <a:rPr kumimoji="1" lang="en-US" altLang="ja-JP"/>
+              <a:rPr lang="en-US" altLang="ja-JP"/>
               <a:t>3 </a:t>
             </a:r>
             <a:r>
-              <a:rPr kumimoji="1" lang="ja-JP" altLang="en-US"/>
+              <a:rPr lang="ja-JP" altLang="en-US"/>
               <a:t>レベル</a:t>
             </a:r>
           </a:p>
           <a:p>
             <a:pPr lvl="3"/>
             <a:r>
-              <a:rPr kumimoji="1" lang="ja-JP" altLang="en-US"/>
+              <a:rPr lang="ja-JP" altLang="en-US"/>
               <a:t>第 </a:t>
             </a:r>
             <a:r>
-              <a:rPr kumimoji="1" lang="en-US" altLang="ja-JP"/>
+              <a:rPr lang="en-US" altLang="ja-JP"/>
               <a:t>4 </a:t>
             </a:r>
             <a:r>
-              <a:rPr kumimoji="1" lang="ja-JP" altLang="en-US"/>
+              <a:rPr lang="ja-JP" altLang="en-US"/>
               <a:t>レベル</a:t>
             </a:r>
           </a:p>
           <a:p>
             <a:pPr lvl="4"/>
             <a:r>
-              <a:rPr kumimoji="1" lang="ja-JP" altLang="en-US"/>
+              <a:rPr lang="ja-JP" altLang="en-US"/>
               <a:t>第 </a:t>
             </a:r>
             <a:r>
-              <a:rPr kumimoji="1" lang="en-US" altLang="ja-JP"/>
+              <a:rPr lang="en-US" altLang="ja-JP"/>
               <a:t>5 </a:t>
             </a:r>
             <a:r>
-              <a:rPr kumimoji="1" lang="ja-JP" altLang="en-US"/>
+              <a:rPr lang="ja-JP" altLang="en-US"/>
               <a:t>レベル</a:t>
             </a:r>
-          </a:p>
-        </p:txBody>
-      </p:sp>
-      <p:sp>
-        <p:nvSpPr>
-          <p:cNvPr id="4" name="日付プレースホルダー 3">
-            <a:extLst>
-              <a:ext uri="{FF2B5EF4-FFF2-40B4-BE49-F238E27FC236}">
-                <a16:creationId xmlns:a16="http://schemas.microsoft.com/office/drawing/2014/main" id="{08F867F9-7E34-4059-9546-8849F1B8D936}"/>
-              </a:ext>
-            </a:extLst>
-          </p:cNvPr>
+            <a:endParaRPr lang="en-US" dirty="0"/>
+          </a:p>
+        </p:txBody>
+      </p:sp>
+      <p:sp>
+        <p:nvSpPr>
+          <p:cNvPr id="4" name="Date Placeholder 3"/>
           <p:cNvSpPr>
             <a:spLocks noGrp="1"/>
           </p:cNvSpPr>
@@ -737,13 +666,7 @@
       </p:sp>
       <p:sp>
         <p:nvSpPr>
-          <p:cNvPr id="5" name="フッター プレースホルダー 4">
-            <a:extLst>
-              <a:ext uri="{FF2B5EF4-FFF2-40B4-BE49-F238E27FC236}">
-                <a16:creationId xmlns:a16="http://schemas.microsoft.com/office/drawing/2014/main" id="{E478A807-80C3-4F1A-95F4-B2DC08FB0EB6}"/>
-              </a:ext>
-            </a:extLst>
-          </p:cNvPr>
+          <p:cNvPr id="5" name="Footer Placeholder 4"/>
           <p:cNvSpPr>
             <a:spLocks noGrp="1"/>
           </p:cNvSpPr>
@@ -762,13 +685,7 @@
       </p:sp>
       <p:sp>
         <p:nvSpPr>
-          <p:cNvPr id="6" name="スライド番号プレースホルダー 5">
-            <a:extLst>
-              <a:ext uri="{FF2B5EF4-FFF2-40B4-BE49-F238E27FC236}">
-                <a16:creationId xmlns:a16="http://schemas.microsoft.com/office/drawing/2014/main" id="{0A2959FD-81E6-466E-9EA3-CFD6481BC69B}"/>
-              </a:ext>
-            </a:extLst>
-          </p:cNvPr>
+          <p:cNvPr id="6" name="Slide Number Placeholder 5"/>
           <p:cNvSpPr>
             <a:spLocks noGrp="1"/>
           </p:cNvSpPr>
@@ -792,7 +709,7 @@
     </p:spTree>
     <p:extLst>
       <p:ext uri="{BB962C8B-B14F-4D97-AF65-F5344CB8AC3E}">
-        <p14:creationId xmlns:p14="http://schemas.microsoft.com/office/powerpoint/2010/main" val="544404756"/>
+        <p14:creationId xmlns:p14="http://schemas.microsoft.com/office/powerpoint/2010/main" val="359755182"/>
       </p:ext>
     </p:extLst>
   </p:cSld>
@@ -821,13 +738,7 @@
       </p:grpSpPr>
       <p:sp>
         <p:nvSpPr>
-          <p:cNvPr id="2" name="タイトル 1">
-            <a:extLst>
-              <a:ext uri="{FF2B5EF4-FFF2-40B4-BE49-F238E27FC236}">
-                <a16:creationId xmlns:a16="http://schemas.microsoft.com/office/drawing/2014/main" id="{92349737-BD3A-4877-80ED-7AAFD669F28E}"/>
-              </a:ext>
-            </a:extLst>
-          </p:cNvPr>
+          <p:cNvPr id="2" name="Title 1"/>
           <p:cNvSpPr>
             <a:spLocks noGrp="1"/>
           </p:cNvSpPr>
@@ -841,21 +752,16 @@
           <a:lstStyle/>
           <a:p>
             <a:r>
-              <a:rPr kumimoji="1" lang="ja-JP" altLang="en-US"/>
+              <a:rPr lang="ja-JP" altLang="en-US"/>
               <a:t>マスター タイトルの書式設定</a:t>
             </a:r>
-          </a:p>
-        </p:txBody>
-      </p:sp>
-      <p:sp>
-        <p:nvSpPr>
-          <p:cNvPr id="3" name="コンテンツ プレースホルダー 2">
-            <a:extLst>
-              <a:ext uri="{FF2B5EF4-FFF2-40B4-BE49-F238E27FC236}">
-                <a16:creationId xmlns:a16="http://schemas.microsoft.com/office/drawing/2014/main" id="{61E6BFFC-CC96-4E82-82EC-9953E50CBBEB}"/>
-              </a:ext>
-            </a:extLst>
-          </p:cNvPr>
+            <a:endParaRPr lang="en-US" dirty="0"/>
+          </a:p>
+        </p:txBody>
+      </p:sp>
+      <p:sp>
+        <p:nvSpPr>
+          <p:cNvPr id="3" name="Content Placeholder 2"/>
           <p:cNvSpPr>
             <a:spLocks noGrp="1"/>
           </p:cNvSpPr>
@@ -870,81 +776,76 @@
           <a:p>
             <a:pPr lvl="0"/>
             <a:r>
-              <a:rPr kumimoji="1" lang="ja-JP" altLang="en-US"/>
+              <a:rPr lang="ja-JP" altLang="en-US"/>
               <a:t>マスター テキストの書式設定</a:t>
             </a:r>
           </a:p>
           <a:p>
             <a:pPr lvl="1"/>
             <a:r>
-              <a:rPr kumimoji="1" lang="ja-JP" altLang="en-US"/>
+              <a:rPr lang="ja-JP" altLang="en-US"/>
               <a:t>第 </a:t>
             </a:r>
             <a:r>
-              <a:rPr kumimoji="1" lang="en-US" altLang="ja-JP"/>
+              <a:rPr lang="en-US" altLang="ja-JP"/>
               <a:t>2 </a:t>
             </a:r>
             <a:r>
-              <a:rPr kumimoji="1" lang="ja-JP" altLang="en-US"/>
+              <a:rPr lang="ja-JP" altLang="en-US"/>
               <a:t>レベル</a:t>
             </a:r>
           </a:p>
           <a:p>
             <a:pPr lvl="2"/>
             <a:r>
-              <a:rPr kumimoji="1" lang="ja-JP" altLang="en-US"/>
+              <a:rPr lang="ja-JP" altLang="en-US"/>
               <a:t>第 </a:t>
             </a:r>
             <a:r>
-              <a:rPr kumimoji="1" lang="en-US" altLang="ja-JP"/>
+              <a:rPr lang="en-US" altLang="ja-JP"/>
               <a:t>3 </a:t>
             </a:r>
             <a:r>
-              <a:rPr kumimoji="1" lang="ja-JP" altLang="en-US"/>
+              <a:rPr lang="ja-JP" altLang="en-US"/>
               <a:t>レベル</a:t>
             </a:r>
           </a:p>
           <a:p>
             <a:pPr lvl="3"/>
             <a:r>
-              <a:rPr kumimoji="1" lang="ja-JP" altLang="en-US"/>
+              <a:rPr lang="ja-JP" altLang="en-US"/>
               <a:t>第 </a:t>
             </a:r>
             <a:r>
-              <a:rPr kumimoji="1" lang="en-US" altLang="ja-JP"/>
+              <a:rPr lang="en-US" altLang="ja-JP"/>
               <a:t>4 </a:t>
             </a:r>
             <a:r>
-              <a:rPr kumimoji="1" lang="ja-JP" altLang="en-US"/>
+              <a:rPr lang="ja-JP" altLang="en-US"/>
               <a:t>レベル</a:t>
             </a:r>
           </a:p>
           <a:p>
             <a:pPr lvl="4"/>
             <a:r>
-              <a:rPr kumimoji="1" lang="ja-JP" altLang="en-US"/>
+              <a:rPr lang="ja-JP" altLang="en-US"/>
               <a:t>第 </a:t>
             </a:r>
             <a:r>
-              <a:rPr kumimoji="1" lang="en-US" altLang="ja-JP"/>
+              <a:rPr lang="en-US" altLang="ja-JP"/>
               <a:t>5 </a:t>
             </a:r>
             <a:r>
-              <a:rPr kumimoji="1" lang="ja-JP" altLang="en-US"/>
+              <a:rPr lang="ja-JP" altLang="en-US"/>
               <a:t>レベル</a:t>
             </a:r>
-          </a:p>
-        </p:txBody>
-      </p:sp>
-      <p:sp>
-        <p:nvSpPr>
-          <p:cNvPr id="4" name="日付プレースホルダー 3">
-            <a:extLst>
-              <a:ext uri="{FF2B5EF4-FFF2-40B4-BE49-F238E27FC236}">
-                <a16:creationId xmlns:a16="http://schemas.microsoft.com/office/drawing/2014/main" id="{1B306882-BCA3-4936-8A61-E60AD816E099}"/>
-              </a:ext>
-            </a:extLst>
-          </p:cNvPr>
+            <a:endParaRPr lang="en-US" dirty="0"/>
+          </a:p>
+        </p:txBody>
+      </p:sp>
+      <p:sp>
+        <p:nvSpPr>
+          <p:cNvPr id="4" name="Date Placeholder 3"/>
           <p:cNvSpPr>
             <a:spLocks noGrp="1"/>
           </p:cNvSpPr>
@@ -967,13 +868,7 @@
       </p:sp>
       <p:sp>
         <p:nvSpPr>
-          <p:cNvPr id="5" name="フッター プレースホルダー 4">
-            <a:extLst>
-              <a:ext uri="{FF2B5EF4-FFF2-40B4-BE49-F238E27FC236}">
-                <a16:creationId xmlns:a16="http://schemas.microsoft.com/office/drawing/2014/main" id="{5012B9CE-4718-4876-957F-FCE1C2F392F6}"/>
-              </a:ext>
-            </a:extLst>
-          </p:cNvPr>
+          <p:cNvPr id="5" name="Footer Placeholder 4"/>
           <p:cNvSpPr>
             <a:spLocks noGrp="1"/>
           </p:cNvSpPr>
@@ -992,13 +887,7 @@
       </p:sp>
       <p:sp>
         <p:nvSpPr>
-          <p:cNvPr id="6" name="スライド番号プレースホルダー 5">
-            <a:extLst>
-              <a:ext uri="{FF2B5EF4-FFF2-40B4-BE49-F238E27FC236}">
-                <a16:creationId xmlns:a16="http://schemas.microsoft.com/office/drawing/2014/main" id="{961DDEE5-B115-4BF2-8229-5C69A454CAAD}"/>
-              </a:ext>
-            </a:extLst>
-          </p:cNvPr>
+          <p:cNvPr id="6" name="Slide Number Placeholder 5"/>
           <p:cNvSpPr>
             <a:spLocks noGrp="1"/>
           </p:cNvSpPr>
@@ -1022,7 +911,7 @@
     </p:spTree>
     <p:extLst>
       <p:ext uri="{BB962C8B-B14F-4D97-AF65-F5344CB8AC3E}">
-        <p14:creationId xmlns:p14="http://schemas.microsoft.com/office/powerpoint/2010/main" val="1781210426"/>
+        <p14:creationId xmlns:p14="http://schemas.microsoft.com/office/powerpoint/2010/main" val="3761562464"/>
       </p:ext>
     </p:extLst>
   </p:cSld>
@@ -1051,13 +940,7 @@
       </p:grpSpPr>
       <p:sp>
         <p:nvSpPr>
-          <p:cNvPr id="2" name="タイトル 1">
-            <a:extLst>
-              <a:ext uri="{FF2B5EF4-FFF2-40B4-BE49-F238E27FC236}">
-                <a16:creationId xmlns:a16="http://schemas.microsoft.com/office/drawing/2014/main" id="{8E46AF01-D492-4AFC-B9AD-1ADBEE12C91B}"/>
-              </a:ext>
-            </a:extLst>
-          </p:cNvPr>
+          <p:cNvPr id="2" name="Title 1"/>
           <p:cNvSpPr>
             <a:spLocks noGrp="1"/>
           </p:cNvSpPr>
@@ -1067,34 +950,29 @@
         </p:nvSpPr>
         <p:spPr>
           <a:xfrm>
-            <a:off x="831850" y="1709738"/>
-            <a:ext cx="10515600" cy="2852737"/>
+            <a:off x="213161" y="778881"/>
+            <a:ext cx="2694623" cy="1299580"/>
           </a:xfrm>
         </p:spPr>
         <p:txBody>
           <a:bodyPr anchor="b"/>
           <a:lstStyle>
             <a:lvl1pPr>
-              <a:defRPr sz="6000"/>
+              <a:defRPr sz="2050"/>
             </a:lvl1pPr>
           </a:lstStyle>
           <a:p>
             <a:r>
-              <a:rPr kumimoji="1" lang="ja-JP" altLang="en-US"/>
+              <a:rPr lang="ja-JP" altLang="en-US"/>
               <a:t>マスター タイトルの書式設定</a:t>
             </a:r>
-          </a:p>
-        </p:txBody>
-      </p:sp>
-      <p:sp>
-        <p:nvSpPr>
-          <p:cNvPr id="3" name="テキスト プレースホルダー 2">
-            <a:extLst>
-              <a:ext uri="{FF2B5EF4-FFF2-40B4-BE49-F238E27FC236}">
-                <a16:creationId xmlns:a16="http://schemas.microsoft.com/office/drawing/2014/main" id="{CAE3E9B3-02C8-4A75-921E-E74003570361}"/>
-              </a:ext>
-            </a:extLst>
-          </p:cNvPr>
+            <a:endParaRPr lang="en-US" dirty="0"/>
+          </a:p>
+        </p:txBody>
+      </p:sp>
+      <p:sp>
+        <p:nvSpPr>
+          <p:cNvPr id="3" name="Text Placeholder 2"/>
           <p:cNvSpPr>
             <a:spLocks noGrp="1"/>
           </p:cNvSpPr>
@@ -1104,8 +982,8 @@
         </p:nvSpPr>
         <p:spPr>
           <a:xfrm>
-            <a:off x="831850" y="4589463"/>
-            <a:ext cx="10515600" cy="1500187"/>
+            <a:off x="213161" y="2090756"/>
+            <a:ext cx="2694623" cy="683419"/>
           </a:xfrm>
         </p:spPr>
         <p:txBody>
@@ -1113,17 +991,15 @@
           <a:lstStyle>
             <a:lvl1pPr marL="0" indent="0">
               <a:buNone/>
-              <a:defRPr sz="2400">
+              <a:defRPr sz="820">
                 <a:solidFill>
-                  <a:schemeClr val="tx1">
-                    <a:tint val="75000"/>
-                  </a:schemeClr>
+                  <a:schemeClr val="tx1"/>
                 </a:solidFill>
               </a:defRPr>
             </a:lvl1pPr>
-            <a:lvl2pPr marL="457200" indent="0">
-              <a:buNone/>
-              <a:defRPr sz="2000">
+            <a:lvl2pPr marL="156225" indent="0">
+              <a:buNone/>
+              <a:defRPr sz="683">
                 <a:solidFill>
                   <a:schemeClr val="tx1">
                     <a:tint val="75000"/>
@@ -1131,9 +1007,9 @@
                 </a:solidFill>
               </a:defRPr>
             </a:lvl2pPr>
-            <a:lvl3pPr marL="914400" indent="0">
-              <a:buNone/>
-              <a:defRPr sz="1800">
+            <a:lvl3pPr marL="312450" indent="0">
+              <a:buNone/>
+              <a:defRPr sz="615">
                 <a:solidFill>
                   <a:schemeClr val="tx1">
                     <a:tint val="75000"/>
@@ -1141,9 +1017,9 @@
                 </a:solidFill>
               </a:defRPr>
             </a:lvl3pPr>
-            <a:lvl4pPr marL="1371600" indent="0">
-              <a:buNone/>
-              <a:defRPr sz="1600">
+            <a:lvl4pPr marL="468676" indent="0">
+              <a:buNone/>
+              <a:defRPr sz="547">
                 <a:solidFill>
                   <a:schemeClr val="tx1">
                     <a:tint val="75000"/>
@@ -1151,9 +1027,9 @@
                 </a:solidFill>
               </a:defRPr>
             </a:lvl4pPr>
-            <a:lvl5pPr marL="1828800" indent="0">
-              <a:buNone/>
-              <a:defRPr sz="1600">
+            <a:lvl5pPr marL="624901" indent="0">
+              <a:buNone/>
+              <a:defRPr sz="547">
                 <a:solidFill>
                   <a:schemeClr val="tx1">
                     <a:tint val="75000"/>
@@ -1161,9 +1037,9 @@
                 </a:solidFill>
               </a:defRPr>
             </a:lvl5pPr>
-            <a:lvl6pPr marL="2286000" indent="0">
-              <a:buNone/>
-              <a:defRPr sz="1600">
+            <a:lvl6pPr marL="781126" indent="0">
+              <a:buNone/>
+              <a:defRPr sz="547">
                 <a:solidFill>
                   <a:schemeClr val="tx1">
                     <a:tint val="75000"/>
@@ -1171,9 +1047,9 @@
                 </a:solidFill>
               </a:defRPr>
             </a:lvl6pPr>
-            <a:lvl7pPr marL="2743200" indent="0">
-              <a:buNone/>
-              <a:defRPr sz="1600">
+            <a:lvl7pPr marL="937351" indent="0">
+              <a:buNone/>
+              <a:defRPr sz="547">
                 <a:solidFill>
                   <a:schemeClr val="tx1">
                     <a:tint val="75000"/>
@@ -1181,9 +1057,9 @@
                 </a:solidFill>
               </a:defRPr>
             </a:lvl7pPr>
-            <a:lvl8pPr marL="3200400" indent="0">
-              <a:buNone/>
-              <a:defRPr sz="1600">
+            <a:lvl8pPr marL="1093577" indent="0">
+              <a:buNone/>
+              <a:defRPr sz="547">
                 <a:solidFill>
                   <a:schemeClr val="tx1">
                     <a:tint val="75000"/>
@@ -1191,9 +1067,9 @@
                 </a:solidFill>
               </a:defRPr>
             </a:lvl8pPr>
-            <a:lvl9pPr marL="3657600" indent="0">
-              <a:buNone/>
-              <a:defRPr sz="1600">
+            <a:lvl9pPr marL="1249802" indent="0">
+              <a:buNone/>
+              <a:defRPr sz="547">
                 <a:solidFill>
                   <a:schemeClr val="tx1">
                     <a:tint val="75000"/>
@@ -1205,7 +1081,7 @@
           <a:p>
             <a:pPr lvl="0"/>
             <a:r>
-              <a:rPr kumimoji="1" lang="ja-JP" altLang="en-US"/>
+              <a:rPr lang="ja-JP" altLang="en-US"/>
               <a:t>マスター テキストの書式設定</a:t>
             </a:r>
           </a:p>
@@ -1213,13 +1089,7 @@
       </p:sp>
       <p:sp>
         <p:nvSpPr>
-          <p:cNvPr id="4" name="日付プレースホルダー 3">
-            <a:extLst>
-              <a:ext uri="{FF2B5EF4-FFF2-40B4-BE49-F238E27FC236}">
-                <a16:creationId xmlns:a16="http://schemas.microsoft.com/office/drawing/2014/main" id="{B514CE0F-F5B4-4775-A1D3-0F15F138C5D7}"/>
-              </a:ext>
-            </a:extLst>
-          </p:cNvPr>
+          <p:cNvPr id="4" name="Date Placeholder 3"/>
           <p:cNvSpPr>
             <a:spLocks noGrp="1"/>
           </p:cNvSpPr>
@@ -1242,13 +1112,7 @@
       </p:sp>
       <p:sp>
         <p:nvSpPr>
-          <p:cNvPr id="5" name="フッター プレースホルダー 4">
-            <a:extLst>
-              <a:ext uri="{FF2B5EF4-FFF2-40B4-BE49-F238E27FC236}">
-                <a16:creationId xmlns:a16="http://schemas.microsoft.com/office/drawing/2014/main" id="{05E84C1C-9F8A-4F5B-81AB-6295FFD7B008}"/>
-              </a:ext>
-            </a:extLst>
-          </p:cNvPr>
+          <p:cNvPr id="5" name="Footer Placeholder 4"/>
           <p:cNvSpPr>
             <a:spLocks noGrp="1"/>
           </p:cNvSpPr>
@@ -1267,13 +1131,7 @@
       </p:sp>
       <p:sp>
         <p:nvSpPr>
-          <p:cNvPr id="6" name="スライド番号プレースホルダー 5">
-            <a:extLst>
-              <a:ext uri="{FF2B5EF4-FFF2-40B4-BE49-F238E27FC236}">
-                <a16:creationId xmlns:a16="http://schemas.microsoft.com/office/drawing/2014/main" id="{2A830716-5007-4543-A2F1-815C18FF1B10}"/>
-              </a:ext>
-            </a:extLst>
-          </p:cNvPr>
+          <p:cNvPr id="6" name="Slide Number Placeholder 5"/>
           <p:cNvSpPr>
             <a:spLocks noGrp="1"/>
           </p:cNvSpPr>
@@ -1297,7 +1155,7 @@
     </p:spTree>
     <p:extLst>
       <p:ext uri="{BB962C8B-B14F-4D97-AF65-F5344CB8AC3E}">
-        <p14:creationId xmlns:p14="http://schemas.microsoft.com/office/powerpoint/2010/main" val="1050368229"/>
+        <p14:creationId xmlns:p14="http://schemas.microsoft.com/office/powerpoint/2010/main" val="1737976581"/>
       </p:ext>
     </p:extLst>
   </p:cSld>
@@ -1326,13 +1184,7 @@
       </p:grpSpPr>
       <p:sp>
         <p:nvSpPr>
-          <p:cNvPr id="2" name="タイトル 1">
-            <a:extLst>
-              <a:ext uri="{FF2B5EF4-FFF2-40B4-BE49-F238E27FC236}">
-                <a16:creationId xmlns:a16="http://schemas.microsoft.com/office/drawing/2014/main" id="{7E0F64A0-675E-482E-B25C-C3FB748716DA}"/>
-              </a:ext>
-            </a:extLst>
-          </p:cNvPr>
+          <p:cNvPr id="2" name="Title 1"/>
           <p:cNvSpPr>
             <a:spLocks noGrp="1"/>
           </p:cNvSpPr>
@@ -1346,21 +1198,16 @@
           <a:lstStyle/>
           <a:p>
             <a:r>
-              <a:rPr kumimoji="1" lang="ja-JP" altLang="en-US"/>
+              <a:rPr lang="ja-JP" altLang="en-US"/>
               <a:t>マスター タイトルの書式設定</a:t>
             </a:r>
-          </a:p>
-        </p:txBody>
-      </p:sp>
-      <p:sp>
-        <p:nvSpPr>
-          <p:cNvPr id="3" name="コンテンツ プレースホルダー 2">
-            <a:extLst>
-              <a:ext uri="{FF2B5EF4-FFF2-40B4-BE49-F238E27FC236}">
-                <a16:creationId xmlns:a16="http://schemas.microsoft.com/office/drawing/2014/main" id="{7F790F5A-26DA-4DB2-9587-BB8CC1586F25}"/>
-              </a:ext>
-            </a:extLst>
-          </p:cNvPr>
+            <a:endParaRPr lang="en-US" dirty="0"/>
+          </a:p>
+        </p:txBody>
+      </p:sp>
+      <p:sp>
+        <p:nvSpPr>
+          <p:cNvPr id="3" name="Content Placeholder 2"/>
           <p:cNvSpPr>
             <a:spLocks noGrp="1"/>
           </p:cNvSpPr>
@@ -1370,8 +1217,8 @@
         </p:nvSpPr>
         <p:spPr>
           <a:xfrm>
-            <a:off x="838200" y="1825625"/>
-            <a:ext cx="5181600" cy="4351338"/>
+            <a:off x="214789" y="831674"/>
+            <a:ext cx="1327785" cy="1982276"/>
           </a:xfrm>
         </p:spPr>
         <p:txBody>
@@ -1380,81 +1227,76 @@
           <a:p>
             <a:pPr lvl="0"/>
             <a:r>
-              <a:rPr kumimoji="1" lang="ja-JP" altLang="en-US"/>
+              <a:rPr lang="ja-JP" altLang="en-US"/>
               <a:t>マスター テキストの書式設定</a:t>
             </a:r>
           </a:p>
           <a:p>
             <a:pPr lvl="1"/>
             <a:r>
-              <a:rPr kumimoji="1" lang="ja-JP" altLang="en-US"/>
+              <a:rPr lang="ja-JP" altLang="en-US"/>
               <a:t>第 </a:t>
             </a:r>
             <a:r>
-              <a:rPr kumimoji="1" lang="en-US" altLang="ja-JP"/>
+              <a:rPr lang="en-US" altLang="ja-JP"/>
               <a:t>2 </a:t>
             </a:r>
             <a:r>
-              <a:rPr kumimoji="1" lang="ja-JP" altLang="en-US"/>
+              <a:rPr lang="ja-JP" altLang="en-US"/>
               <a:t>レベル</a:t>
             </a:r>
           </a:p>
           <a:p>
             <a:pPr lvl="2"/>
             <a:r>
-              <a:rPr kumimoji="1" lang="ja-JP" altLang="en-US"/>
+              <a:rPr lang="ja-JP" altLang="en-US"/>
               <a:t>第 </a:t>
             </a:r>
             <a:r>
-              <a:rPr kumimoji="1" lang="en-US" altLang="ja-JP"/>
+              <a:rPr lang="en-US" altLang="ja-JP"/>
               <a:t>3 </a:t>
             </a:r>
             <a:r>
-              <a:rPr kumimoji="1" lang="ja-JP" altLang="en-US"/>
+              <a:rPr lang="ja-JP" altLang="en-US"/>
               <a:t>レベル</a:t>
             </a:r>
           </a:p>
           <a:p>
             <a:pPr lvl="3"/>
             <a:r>
-              <a:rPr kumimoji="1" lang="ja-JP" altLang="en-US"/>
+              <a:rPr lang="ja-JP" altLang="en-US"/>
               <a:t>第 </a:t>
             </a:r>
             <a:r>
-              <a:rPr kumimoji="1" lang="en-US" altLang="ja-JP"/>
+              <a:rPr lang="en-US" altLang="ja-JP"/>
               <a:t>4 </a:t>
             </a:r>
             <a:r>
-              <a:rPr kumimoji="1" lang="ja-JP" altLang="en-US"/>
+              <a:rPr lang="ja-JP" altLang="en-US"/>
               <a:t>レベル</a:t>
             </a:r>
           </a:p>
           <a:p>
             <a:pPr lvl="4"/>
             <a:r>
-              <a:rPr kumimoji="1" lang="ja-JP" altLang="en-US"/>
+              <a:rPr lang="ja-JP" altLang="en-US"/>
               <a:t>第 </a:t>
             </a:r>
             <a:r>
-              <a:rPr kumimoji="1" lang="en-US" altLang="ja-JP"/>
+              <a:rPr lang="en-US" altLang="ja-JP"/>
               <a:t>5 </a:t>
             </a:r>
             <a:r>
-              <a:rPr kumimoji="1" lang="ja-JP" altLang="en-US"/>
+              <a:rPr lang="ja-JP" altLang="en-US"/>
               <a:t>レベル</a:t>
             </a:r>
-          </a:p>
-        </p:txBody>
-      </p:sp>
-      <p:sp>
-        <p:nvSpPr>
-          <p:cNvPr id="4" name="コンテンツ プレースホルダー 3">
-            <a:extLst>
-              <a:ext uri="{FF2B5EF4-FFF2-40B4-BE49-F238E27FC236}">
-                <a16:creationId xmlns:a16="http://schemas.microsoft.com/office/drawing/2014/main" id="{25F57D71-8ACF-4550-A6AF-FAE94AAB6D23}"/>
-              </a:ext>
-            </a:extLst>
-          </p:cNvPr>
+            <a:endParaRPr lang="en-US" dirty="0"/>
+          </a:p>
+        </p:txBody>
+      </p:sp>
+      <p:sp>
+        <p:nvSpPr>
+          <p:cNvPr id="4" name="Content Placeholder 3"/>
           <p:cNvSpPr>
             <a:spLocks noGrp="1"/>
           </p:cNvSpPr>
@@ -1464,8 +1306,8 @@
         </p:nvSpPr>
         <p:spPr>
           <a:xfrm>
-            <a:off x="6172200" y="1825625"/>
-            <a:ext cx="5181600" cy="4351338"/>
+            <a:off x="1581626" y="831674"/>
+            <a:ext cx="1327785" cy="1982276"/>
           </a:xfrm>
         </p:spPr>
         <p:txBody>
@@ -1474,81 +1316,76 @@
           <a:p>
             <a:pPr lvl="0"/>
             <a:r>
-              <a:rPr kumimoji="1" lang="ja-JP" altLang="en-US"/>
+              <a:rPr lang="ja-JP" altLang="en-US"/>
               <a:t>マスター テキストの書式設定</a:t>
             </a:r>
           </a:p>
           <a:p>
             <a:pPr lvl="1"/>
             <a:r>
-              <a:rPr kumimoji="1" lang="ja-JP" altLang="en-US"/>
+              <a:rPr lang="ja-JP" altLang="en-US"/>
               <a:t>第 </a:t>
             </a:r>
             <a:r>
-              <a:rPr kumimoji="1" lang="en-US" altLang="ja-JP"/>
+              <a:rPr lang="en-US" altLang="ja-JP"/>
               <a:t>2 </a:t>
             </a:r>
             <a:r>
-              <a:rPr kumimoji="1" lang="ja-JP" altLang="en-US"/>
+              <a:rPr lang="ja-JP" altLang="en-US"/>
               <a:t>レベル</a:t>
             </a:r>
           </a:p>
           <a:p>
             <a:pPr lvl="2"/>
             <a:r>
-              <a:rPr kumimoji="1" lang="ja-JP" altLang="en-US"/>
+              <a:rPr lang="ja-JP" altLang="en-US"/>
               <a:t>第 </a:t>
             </a:r>
             <a:r>
-              <a:rPr kumimoji="1" lang="en-US" altLang="ja-JP"/>
+              <a:rPr lang="en-US" altLang="ja-JP"/>
               <a:t>3 </a:t>
             </a:r>
             <a:r>
-              <a:rPr kumimoji="1" lang="ja-JP" altLang="en-US"/>
+              <a:rPr lang="ja-JP" altLang="en-US"/>
               <a:t>レベル</a:t>
             </a:r>
           </a:p>
           <a:p>
             <a:pPr lvl="3"/>
             <a:r>
-              <a:rPr kumimoji="1" lang="ja-JP" altLang="en-US"/>
+              <a:rPr lang="ja-JP" altLang="en-US"/>
               <a:t>第 </a:t>
             </a:r>
             <a:r>
-              <a:rPr kumimoji="1" lang="en-US" altLang="ja-JP"/>
+              <a:rPr lang="en-US" altLang="ja-JP"/>
               <a:t>4 </a:t>
             </a:r>
             <a:r>
-              <a:rPr kumimoji="1" lang="ja-JP" altLang="en-US"/>
+              <a:rPr lang="ja-JP" altLang="en-US"/>
               <a:t>レベル</a:t>
             </a:r>
           </a:p>
           <a:p>
             <a:pPr lvl="4"/>
             <a:r>
-              <a:rPr kumimoji="1" lang="ja-JP" altLang="en-US"/>
+              <a:rPr lang="ja-JP" altLang="en-US"/>
               <a:t>第 </a:t>
             </a:r>
             <a:r>
-              <a:rPr kumimoji="1" lang="en-US" altLang="ja-JP"/>
+              <a:rPr lang="en-US" altLang="ja-JP"/>
               <a:t>5 </a:t>
             </a:r>
             <a:r>
-              <a:rPr kumimoji="1" lang="ja-JP" altLang="en-US"/>
+              <a:rPr lang="ja-JP" altLang="en-US"/>
               <a:t>レベル</a:t>
             </a:r>
-          </a:p>
-        </p:txBody>
-      </p:sp>
-      <p:sp>
-        <p:nvSpPr>
-          <p:cNvPr id="5" name="日付プレースホルダー 4">
-            <a:extLst>
-              <a:ext uri="{FF2B5EF4-FFF2-40B4-BE49-F238E27FC236}">
-                <a16:creationId xmlns:a16="http://schemas.microsoft.com/office/drawing/2014/main" id="{F637E6E5-5425-4423-AD6C-BBF3B70E4A24}"/>
-              </a:ext>
-            </a:extLst>
-          </p:cNvPr>
+            <a:endParaRPr lang="en-US" dirty="0"/>
+          </a:p>
+        </p:txBody>
+      </p:sp>
+      <p:sp>
+        <p:nvSpPr>
+          <p:cNvPr id="5" name="Date Placeholder 4"/>
           <p:cNvSpPr>
             <a:spLocks noGrp="1"/>
           </p:cNvSpPr>
@@ -1571,13 +1408,7 @@
       </p:sp>
       <p:sp>
         <p:nvSpPr>
-          <p:cNvPr id="6" name="フッター プレースホルダー 5">
-            <a:extLst>
-              <a:ext uri="{FF2B5EF4-FFF2-40B4-BE49-F238E27FC236}">
-                <a16:creationId xmlns:a16="http://schemas.microsoft.com/office/drawing/2014/main" id="{378E275D-F282-476C-BD6D-B3A74D94CA4B}"/>
-              </a:ext>
-            </a:extLst>
-          </p:cNvPr>
+          <p:cNvPr id="6" name="Footer Placeholder 5"/>
           <p:cNvSpPr>
             <a:spLocks noGrp="1"/>
           </p:cNvSpPr>
@@ -1596,13 +1427,7 @@
       </p:sp>
       <p:sp>
         <p:nvSpPr>
-          <p:cNvPr id="7" name="スライド番号プレースホルダー 6">
-            <a:extLst>
-              <a:ext uri="{FF2B5EF4-FFF2-40B4-BE49-F238E27FC236}">
-                <a16:creationId xmlns:a16="http://schemas.microsoft.com/office/drawing/2014/main" id="{3DC3698C-2BF6-45C0-A4E6-6B71E7AA6791}"/>
-              </a:ext>
-            </a:extLst>
-          </p:cNvPr>
+          <p:cNvPr id="7" name="Slide Number Placeholder 6"/>
           <p:cNvSpPr>
             <a:spLocks noGrp="1"/>
           </p:cNvSpPr>
@@ -1626,7 +1451,7 @@
     </p:spTree>
     <p:extLst>
       <p:ext uri="{BB962C8B-B14F-4D97-AF65-F5344CB8AC3E}">
-        <p14:creationId xmlns:p14="http://schemas.microsoft.com/office/powerpoint/2010/main" val="1715855807"/>
+        <p14:creationId xmlns:p14="http://schemas.microsoft.com/office/powerpoint/2010/main" val="3811051568"/>
       </p:ext>
     </p:extLst>
   </p:cSld>
@@ -1655,13 +1480,7 @@
       </p:grpSpPr>
       <p:sp>
         <p:nvSpPr>
-          <p:cNvPr id="2" name="タイトル 1">
-            <a:extLst>
-              <a:ext uri="{FF2B5EF4-FFF2-40B4-BE49-F238E27FC236}">
-                <a16:creationId xmlns:a16="http://schemas.microsoft.com/office/drawing/2014/main" id="{6D1ED1A0-310D-48E7-AFA0-A21D3FED5C3E}"/>
-              </a:ext>
-            </a:extLst>
-          </p:cNvPr>
+          <p:cNvPr id="2" name="Title 1"/>
           <p:cNvSpPr>
             <a:spLocks noGrp="1"/>
           </p:cNvSpPr>
@@ -1671,8 +1490,8 @@
         </p:nvSpPr>
         <p:spPr>
           <a:xfrm>
-            <a:off x="839788" y="365125"/>
-            <a:ext cx="10515600" cy="1325563"/>
+            <a:off x="215195" y="166335"/>
+            <a:ext cx="2694623" cy="603868"/>
           </a:xfrm>
         </p:spPr>
         <p:txBody>
@@ -1680,21 +1499,16 @@
           <a:lstStyle/>
           <a:p>
             <a:r>
-              <a:rPr kumimoji="1" lang="ja-JP" altLang="en-US"/>
+              <a:rPr lang="ja-JP" altLang="en-US"/>
               <a:t>マスター タイトルの書式設定</a:t>
             </a:r>
-          </a:p>
-        </p:txBody>
-      </p:sp>
-      <p:sp>
-        <p:nvSpPr>
-          <p:cNvPr id="3" name="テキスト プレースホルダー 2">
-            <a:extLst>
-              <a:ext uri="{FF2B5EF4-FFF2-40B4-BE49-F238E27FC236}">
-                <a16:creationId xmlns:a16="http://schemas.microsoft.com/office/drawing/2014/main" id="{E8CD1D0C-B35C-4AEC-99AC-817DF7E14287}"/>
-              </a:ext>
-            </a:extLst>
-          </p:cNvPr>
+            <a:endParaRPr lang="en-US" dirty="0"/>
+          </a:p>
+        </p:txBody>
+      </p:sp>
+      <p:sp>
+        <p:nvSpPr>
+          <p:cNvPr id="3" name="Text Placeholder 2"/>
           <p:cNvSpPr>
             <a:spLocks noGrp="1"/>
           </p:cNvSpPr>
@@ -1704,8 +1518,8 @@
         </p:nvSpPr>
         <p:spPr>
           <a:xfrm>
-            <a:off x="839788" y="1681163"/>
-            <a:ext cx="5157787" cy="823912"/>
+            <a:off x="215196" y="765863"/>
+            <a:ext cx="1321683" cy="375338"/>
           </a:xfrm>
         </p:spPr>
         <p:txBody>
@@ -1713,45 +1527,45 @@
           <a:lstStyle>
             <a:lvl1pPr marL="0" indent="0">
               <a:buNone/>
-              <a:defRPr sz="2400" b="1"/>
+              <a:defRPr sz="820" b="1"/>
             </a:lvl1pPr>
-            <a:lvl2pPr marL="457200" indent="0">
-              <a:buNone/>
-              <a:defRPr sz="2000" b="1"/>
+            <a:lvl2pPr marL="156225" indent="0">
+              <a:buNone/>
+              <a:defRPr sz="683" b="1"/>
             </a:lvl2pPr>
-            <a:lvl3pPr marL="914400" indent="0">
-              <a:buNone/>
-              <a:defRPr sz="1800" b="1"/>
+            <a:lvl3pPr marL="312450" indent="0">
+              <a:buNone/>
+              <a:defRPr sz="615" b="1"/>
             </a:lvl3pPr>
-            <a:lvl4pPr marL="1371600" indent="0">
-              <a:buNone/>
-              <a:defRPr sz="1600" b="1"/>
+            <a:lvl4pPr marL="468676" indent="0">
+              <a:buNone/>
+              <a:defRPr sz="547" b="1"/>
             </a:lvl4pPr>
-            <a:lvl5pPr marL="1828800" indent="0">
-              <a:buNone/>
-              <a:defRPr sz="1600" b="1"/>
+            <a:lvl5pPr marL="624901" indent="0">
+              <a:buNone/>
+              <a:defRPr sz="547" b="1"/>
             </a:lvl5pPr>
-            <a:lvl6pPr marL="2286000" indent="0">
-              <a:buNone/>
-              <a:defRPr sz="1600" b="1"/>
+            <a:lvl6pPr marL="781126" indent="0">
+              <a:buNone/>
+              <a:defRPr sz="547" b="1"/>
             </a:lvl6pPr>
-            <a:lvl7pPr marL="2743200" indent="0">
-              <a:buNone/>
-              <a:defRPr sz="1600" b="1"/>
+            <a:lvl7pPr marL="937351" indent="0">
+              <a:buNone/>
+              <a:defRPr sz="547" b="1"/>
             </a:lvl7pPr>
-            <a:lvl8pPr marL="3200400" indent="0">
-              <a:buNone/>
-              <a:defRPr sz="1600" b="1"/>
+            <a:lvl8pPr marL="1093577" indent="0">
+              <a:buNone/>
+              <a:defRPr sz="547" b="1"/>
             </a:lvl8pPr>
-            <a:lvl9pPr marL="3657600" indent="0">
-              <a:buNone/>
-              <a:defRPr sz="1600" b="1"/>
+            <a:lvl9pPr marL="1249802" indent="0">
+              <a:buNone/>
+              <a:defRPr sz="547" b="1"/>
             </a:lvl9pPr>
           </a:lstStyle>
           <a:p>
             <a:pPr lvl="0"/>
             <a:r>
-              <a:rPr kumimoji="1" lang="ja-JP" altLang="en-US"/>
+              <a:rPr lang="ja-JP" altLang="en-US"/>
               <a:t>マスター テキストの書式設定</a:t>
             </a:r>
           </a:p>
@@ -1759,13 +1573,7 @@
       </p:sp>
       <p:sp>
         <p:nvSpPr>
-          <p:cNvPr id="4" name="コンテンツ プレースホルダー 3">
-            <a:extLst>
-              <a:ext uri="{FF2B5EF4-FFF2-40B4-BE49-F238E27FC236}">
-                <a16:creationId xmlns:a16="http://schemas.microsoft.com/office/drawing/2014/main" id="{27E3F6D8-4CF1-4296-8730-6A20B182C863}"/>
-              </a:ext>
-            </a:extLst>
-          </p:cNvPr>
+          <p:cNvPr id="4" name="Content Placeholder 3"/>
           <p:cNvSpPr>
             <a:spLocks noGrp="1"/>
           </p:cNvSpPr>
@@ -1775,8 +1583,8 @@
         </p:nvSpPr>
         <p:spPr>
           <a:xfrm>
-            <a:off x="839788" y="2505075"/>
-            <a:ext cx="5157787" cy="3684588"/>
+            <a:off x="215196" y="1141201"/>
+            <a:ext cx="1321683" cy="1678535"/>
           </a:xfrm>
         </p:spPr>
         <p:txBody>
@@ -1785,81 +1593,76 @@
           <a:p>
             <a:pPr lvl="0"/>
             <a:r>
-              <a:rPr kumimoji="1" lang="ja-JP" altLang="en-US"/>
+              <a:rPr lang="ja-JP" altLang="en-US"/>
               <a:t>マスター テキストの書式設定</a:t>
             </a:r>
           </a:p>
           <a:p>
             <a:pPr lvl="1"/>
             <a:r>
-              <a:rPr kumimoji="1" lang="ja-JP" altLang="en-US"/>
+              <a:rPr lang="ja-JP" altLang="en-US"/>
               <a:t>第 </a:t>
             </a:r>
             <a:r>
-              <a:rPr kumimoji="1" lang="en-US" altLang="ja-JP"/>
+              <a:rPr lang="en-US" altLang="ja-JP"/>
               <a:t>2 </a:t>
             </a:r>
             <a:r>
-              <a:rPr kumimoji="1" lang="ja-JP" altLang="en-US"/>
+              <a:rPr lang="ja-JP" altLang="en-US"/>
               <a:t>レベル</a:t>
             </a:r>
           </a:p>
           <a:p>
             <a:pPr lvl="2"/>
             <a:r>
-              <a:rPr kumimoji="1" lang="ja-JP" altLang="en-US"/>
+              <a:rPr lang="ja-JP" altLang="en-US"/>
               <a:t>第 </a:t>
             </a:r>
             <a:r>
-              <a:rPr kumimoji="1" lang="en-US" altLang="ja-JP"/>
+              <a:rPr lang="en-US" altLang="ja-JP"/>
               <a:t>3 </a:t>
             </a:r>
             <a:r>
-              <a:rPr kumimoji="1" lang="ja-JP" altLang="en-US"/>
+              <a:rPr lang="ja-JP" altLang="en-US"/>
               <a:t>レベル</a:t>
             </a:r>
           </a:p>
           <a:p>
             <a:pPr lvl="3"/>
             <a:r>
-              <a:rPr kumimoji="1" lang="ja-JP" altLang="en-US"/>
+              <a:rPr lang="ja-JP" altLang="en-US"/>
               <a:t>第 </a:t>
             </a:r>
             <a:r>
-              <a:rPr kumimoji="1" lang="en-US" altLang="ja-JP"/>
+              <a:rPr lang="en-US" altLang="ja-JP"/>
               <a:t>4 </a:t>
             </a:r>
             <a:r>
-              <a:rPr kumimoji="1" lang="ja-JP" altLang="en-US"/>
+              <a:rPr lang="ja-JP" altLang="en-US"/>
               <a:t>レベル</a:t>
             </a:r>
           </a:p>
           <a:p>
             <a:pPr lvl="4"/>
             <a:r>
-              <a:rPr kumimoji="1" lang="ja-JP" altLang="en-US"/>
+              <a:rPr lang="ja-JP" altLang="en-US"/>
               <a:t>第 </a:t>
             </a:r>
             <a:r>
-              <a:rPr kumimoji="1" lang="en-US" altLang="ja-JP"/>
+              <a:rPr lang="en-US" altLang="ja-JP"/>
               <a:t>5 </a:t>
             </a:r>
             <a:r>
-              <a:rPr kumimoji="1" lang="ja-JP" altLang="en-US"/>
+              <a:rPr lang="ja-JP" altLang="en-US"/>
               <a:t>レベル</a:t>
             </a:r>
-          </a:p>
-        </p:txBody>
-      </p:sp>
-      <p:sp>
-        <p:nvSpPr>
-          <p:cNvPr id="5" name="テキスト プレースホルダー 4">
-            <a:extLst>
-              <a:ext uri="{FF2B5EF4-FFF2-40B4-BE49-F238E27FC236}">
-                <a16:creationId xmlns:a16="http://schemas.microsoft.com/office/drawing/2014/main" id="{94111B93-2F07-498F-8307-229A49AA77E8}"/>
-              </a:ext>
-            </a:extLst>
-          </p:cNvPr>
+            <a:endParaRPr lang="en-US" dirty="0"/>
+          </a:p>
+        </p:txBody>
+      </p:sp>
+      <p:sp>
+        <p:nvSpPr>
+          <p:cNvPr id="5" name="Text Placeholder 4"/>
           <p:cNvSpPr>
             <a:spLocks noGrp="1"/>
           </p:cNvSpPr>
@@ -1869,8 +1672,8 @@
         </p:nvSpPr>
         <p:spPr>
           <a:xfrm>
-            <a:off x="6172200" y="1681163"/>
-            <a:ext cx="5183188" cy="823912"/>
+            <a:off x="1581626" y="765863"/>
+            <a:ext cx="1328192" cy="375338"/>
           </a:xfrm>
         </p:spPr>
         <p:txBody>
@@ -1878,45 +1681,45 @@
           <a:lstStyle>
             <a:lvl1pPr marL="0" indent="0">
               <a:buNone/>
-              <a:defRPr sz="2400" b="1"/>
+              <a:defRPr sz="820" b="1"/>
             </a:lvl1pPr>
-            <a:lvl2pPr marL="457200" indent="0">
-              <a:buNone/>
-              <a:defRPr sz="2000" b="1"/>
+            <a:lvl2pPr marL="156225" indent="0">
+              <a:buNone/>
+              <a:defRPr sz="683" b="1"/>
             </a:lvl2pPr>
-            <a:lvl3pPr marL="914400" indent="0">
-              <a:buNone/>
-              <a:defRPr sz="1800" b="1"/>
+            <a:lvl3pPr marL="312450" indent="0">
+              <a:buNone/>
+              <a:defRPr sz="615" b="1"/>
             </a:lvl3pPr>
-            <a:lvl4pPr marL="1371600" indent="0">
-              <a:buNone/>
-              <a:defRPr sz="1600" b="1"/>
+            <a:lvl4pPr marL="468676" indent="0">
+              <a:buNone/>
+              <a:defRPr sz="547" b="1"/>
             </a:lvl4pPr>
-            <a:lvl5pPr marL="1828800" indent="0">
-              <a:buNone/>
-              <a:defRPr sz="1600" b="1"/>
+            <a:lvl5pPr marL="624901" indent="0">
+              <a:buNone/>
+              <a:defRPr sz="547" b="1"/>
             </a:lvl5pPr>
-            <a:lvl6pPr marL="2286000" indent="0">
-              <a:buNone/>
-              <a:defRPr sz="1600" b="1"/>
+            <a:lvl6pPr marL="781126" indent="0">
+              <a:buNone/>
+              <a:defRPr sz="547" b="1"/>
             </a:lvl6pPr>
-            <a:lvl7pPr marL="2743200" indent="0">
-              <a:buNone/>
-              <a:defRPr sz="1600" b="1"/>
+            <a:lvl7pPr marL="937351" indent="0">
+              <a:buNone/>
+              <a:defRPr sz="547" b="1"/>
             </a:lvl7pPr>
-            <a:lvl8pPr marL="3200400" indent="0">
-              <a:buNone/>
-              <a:defRPr sz="1600" b="1"/>
+            <a:lvl8pPr marL="1093577" indent="0">
+              <a:buNone/>
+              <a:defRPr sz="547" b="1"/>
             </a:lvl8pPr>
-            <a:lvl9pPr marL="3657600" indent="0">
-              <a:buNone/>
-              <a:defRPr sz="1600" b="1"/>
+            <a:lvl9pPr marL="1249802" indent="0">
+              <a:buNone/>
+              <a:defRPr sz="547" b="1"/>
             </a:lvl9pPr>
           </a:lstStyle>
           <a:p>
             <a:pPr lvl="0"/>
             <a:r>
-              <a:rPr kumimoji="1" lang="ja-JP" altLang="en-US"/>
+              <a:rPr lang="ja-JP" altLang="en-US"/>
               <a:t>マスター テキストの書式設定</a:t>
             </a:r>
           </a:p>
@@ -1924,13 +1727,7 @@
       </p:sp>
       <p:sp>
         <p:nvSpPr>
-          <p:cNvPr id="6" name="コンテンツ プレースホルダー 5">
-            <a:extLst>
-              <a:ext uri="{FF2B5EF4-FFF2-40B4-BE49-F238E27FC236}">
-                <a16:creationId xmlns:a16="http://schemas.microsoft.com/office/drawing/2014/main" id="{C789B4E8-1AB3-4361-80F9-8A378BB786E7}"/>
-              </a:ext>
-            </a:extLst>
-          </p:cNvPr>
+          <p:cNvPr id="6" name="Content Placeholder 5"/>
           <p:cNvSpPr>
             <a:spLocks noGrp="1"/>
           </p:cNvSpPr>
@@ -1940,8 +1737,8 @@
         </p:nvSpPr>
         <p:spPr>
           <a:xfrm>
-            <a:off x="6172200" y="2505075"/>
-            <a:ext cx="5183188" cy="3684588"/>
+            <a:off x="1581626" y="1141201"/>
+            <a:ext cx="1328192" cy="1678535"/>
           </a:xfrm>
         </p:spPr>
         <p:txBody>
@@ -1950,81 +1747,76 @@
           <a:p>
             <a:pPr lvl="0"/>
             <a:r>
-              <a:rPr kumimoji="1" lang="ja-JP" altLang="en-US"/>
+              <a:rPr lang="ja-JP" altLang="en-US"/>
               <a:t>マスター テキストの書式設定</a:t>
             </a:r>
           </a:p>
           <a:p>
             <a:pPr lvl="1"/>
             <a:r>
-              <a:rPr kumimoji="1" lang="ja-JP" altLang="en-US"/>
+              <a:rPr lang="ja-JP" altLang="en-US"/>
               <a:t>第 </a:t>
             </a:r>
             <a:r>
-              <a:rPr kumimoji="1" lang="en-US" altLang="ja-JP"/>
+              <a:rPr lang="en-US" altLang="ja-JP"/>
               <a:t>2 </a:t>
             </a:r>
             <a:r>
-              <a:rPr kumimoji="1" lang="ja-JP" altLang="en-US"/>
+              <a:rPr lang="ja-JP" altLang="en-US"/>
               <a:t>レベル</a:t>
             </a:r>
           </a:p>
           <a:p>
             <a:pPr lvl="2"/>
             <a:r>
-              <a:rPr kumimoji="1" lang="ja-JP" altLang="en-US"/>
+              <a:rPr lang="ja-JP" altLang="en-US"/>
               <a:t>第 </a:t>
             </a:r>
             <a:r>
-              <a:rPr kumimoji="1" lang="en-US" altLang="ja-JP"/>
+              <a:rPr lang="en-US" altLang="ja-JP"/>
               <a:t>3 </a:t>
             </a:r>
             <a:r>
-              <a:rPr kumimoji="1" lang="ja-JP" altLang="en-US"/>
+              <a:rPr lang="ja-JP" altLang="en-US"/>
               <a:t>レベル</a:t>
             </a:r>
           </a:p>
           <a:p>
             <a:pPr lvl="3"/>
             <a:r>
-              <a:rPr kumimoji="1" lang="ja-JP" altLang="en-US"/>
+              <a:rPr lang="ja-JP" altLang="en-US"/>
               <a:t>第 </a:t>
             </a:r>
             <a:r>
-              <a:rPr kumimoji="1" lang="en-US" altLang="ja-JP"/>
+              <a:rPr lang="en-US" altLang="ja-JP"/>
               <a:t>4 </a:t>
             </a:r>
             <a:r>
-              <a:rPr kumimoji="1" lang="ja-JP" altLang="en-US"/>
+              <a:rPr lang="ja-JP" altLang="en-US"/>
               <a:t>レベル</a:t>
             </a:r>
           </a:p>
           <a:p>
             <a:pPr lvl="4"/>
             <a:r>
-              <a:rPr kumimoji="1" lang="ja-JP" altLang="en-US"/>
+              <a:rPr lang="ja-JP" altLang="en-US"/>
               <a:t>第 </a:t>
             </a:r>
             <a:r>
-              <a:rPr kumimoji="1" lang="en-US" altLang="ja-JP"/>
+              <a:rPr lang="en-US" altLang="ja-JP"/>
               <a:t>5 </a:t>
             </a:r>
             <a:r>
-              <a:rPr kumimoji="1" lang="ja-JP" altLang="en-US"/>
+              <a:rPr lang="ja-JP" altLang="en-US"/>
               <a:t>レベル</a:t>
             </a:r>
-          </a:p>
-        </p:txBody>
-      </p:sp>
-      <p:sp>
-        <p:nvSpPr>
-          <p:cNvPr id="7" name="日付プレースホルダー 6">
-            <a:extLst>
-              <a:ext uri="{FF2B5EF4-FFF2-40B4-BE49-F238E27FC236}">
-                <a16:creationId xmlns:a16="http://schemas.microsoft.com/office/drawing/2014/main" id="{59042228-2CCD-4D37-9F2B-9EFD8D628F13}"/>
-              </a:ext>
-            </a:extLst>
-          </p:cNvPr>
+            <a:endParaRPr lang="en-US" dirty="0"/>
+          </a:p>
+        </p:txBody>
+      </p:sp>
+      <p:sp>
+        <p:nvSpPr>
+          <p:cNvPr id="7" name="Date Placeholder 6"/>
           <p:cNvSpPr>
             <a:spLocks noGrp="1"/>
           </p:cNvSpPr>
@@ -2047,13 +1839,7 @@
       </p:sp>
       <p:sp>
         <p:nvSpPr>
-          <p:cNvPr id="8" name="フッター プレースホルダー 7">
-            <a:extLst>
-              <a:ext uri="{FF2B5EF4-FFF2-40B4-BE49-F238E27FC236}">
-                <a16:creationId xmlns:a16="http://schemas.microsoft.com/office/drawing/2014/main" id="{617EEEAE-BC71-424B-B593-A57D7921B432}"/>
-              </a:ext>
-            </a:extLst>
-          </p:cNvPr>
+          <p:cNvPr id="8" name="Footer Placeholder 7"/>
           <p:cNvSpPr>
             <a:spLocks noGrp="1"/>
           </p:cNvSpPr>
@@ -2072,13 +1858,7 @@
       </p:sp>
       <p:sp>
         <p:nvSpPr>
-          <p:cNvPr id="9" name="スライド番号プレースホルダー 8">
-            <a:extLst>
-              <a:ext uri="{FF2B5EF4-FFF2-40B4-BE49-F238E27FC236}">
-                <a16:creationId xmlns:a16="http://schemas.microsoft.com/office/drawing/2014/main" id="{E75566E2-91F3-4CCF-B9C3-243FD565A6D7}"/>
-              </a:ext>
-            </a:extLst>
-          </p:cNvPr>
+          <p:cNvPr id="9" name="Slide Number Placeholder 8"/>
           <p:cNvSpPr>
             <a:spLocks noGrp="1"/>
           </p:cNvSpPr>
@@ -2102,7 +1882,7 @@
     </p:spTree>
     <p:extLst>
       <p:ext uri="{BB962C8B-B14F-4D97-AF65-F5344CB8AC3E}">
-        <p14:creationId xmlns:p14="http://schemas.microsoft.com/office/powerpoint/2010/main" val="3329815975"/>
+        <p14:creationId xmlns:p14="http://schemas.microsoft.com/office/powerpoint/2010/main" val="3723812834"/>
       </p:ext>
     </p:extLst>
   </p:cSld>
@@ -2131,13 +1911,7 @@
       </p:grpSpPr>
       <p:sp>
         <p:nvSpPr>
-          <p:cNvPr id="2" name="タイトル 1">
-            <a:extLst>
-              <a:ext uri="{FF2B5EF4-FFF2-40B4-BE49-F238E27FC236}">
-                <a16:creationId xmlns:a16="http://schemas.microsoft.com/office/drawing/2014/main" id="{6CBDD4F1-D606-4F08-9FB1-3F8BB90AAA40}"/>
-              </a:ext>
-            </a:extLst>
-          </p:cNvPr>
+          <p:cNvPr id="2" name="Title 1"/>
           <p:cNvSpPr>
             <a:spLocks noGrp="1"/>
           </p:cNvSpPr>
@@ -2151,21 +1925,16 @@
           <a:lstStyle/>
           <a:p>
             <a:r>
-              <a:rPr kumimoji="1" lang="ja-JP" altLang="en-US"/>
+              <a:rPr lang="ja-JP" altLang="en-US"/>
               <a:t>マスター タイトルの書式設定</a:t>
             </a:r>
-          </a:p>
-        </p:txBody>
-      </p:sp>
-      <p:sp>
-        <p:nvSpPr>
-          <p:cNvPr id="3" name="日付プレースホルダー 2">
-            <a:extLst>
-              <a:ext uri="{FF2B5EF4-FFF2-40B4-BE49-F238E27FC236}">
-                <a16:creationId xmlns:a16="http://schemas.microsoft.com/office/drawing/2014/main" id="{AB89DC12-656E-41AE-98F9-B946CC9E9628}"/>
-              </a:ext>
-            </a:extLst>
-          </p:cNvPr>
+            <a:endParaRPr lang="en-US" dirty="0"/>
+          </a:p>
+        </p:txBody>
+      </p:sp>
+      <p:sp>
+        <p:nvSpPr>
+          <p:cNvPr id="3" name="Date Placeholder 2"/>
           <p:cNvSpPr>
             <a:spLocks noGrp="1"/>
           </p:cNvSpPr>
@@ -2188,13 +1957,7 @@
       </p:sp>
       <p:sp>
         <p:nvSpPr>
-          <p:cNvPr id="4" name="フッター プレースホルダー 3">
-            <a:extLst>
-              <a:ext uri="{FF2B5EF4-FFF2-40B4-BE49-F238E27FC236}">
-                <a16:creationId xmlns:a16="http://schemas.microsoft.com/office/drawing/2014/main" id="{00CEC93D-E024-44AC-8FE3-5916DFBB9446}"/>
-              </a:ext>
-            </a:extLst>
-          </p:cNvPr>
+          <p:cNvPr id="4" name="Footer Placeholder 3"/>
           <p:cNvSpPr>
             <a:spLocks noGrp="1"/>
           </p:cNvSpPr>
@@ -2213,13 +1976,7 @@
       </p:sp>
       <p:sp>
         <p:nvSpPr>
-          <p:cNvPr id="5" name="スライド番号プレースホルダー 4">
-            <a:extLst>
-              <a:ext uri="{FF2B5EF4-FFF2-40B4-BE49-F238E27FC236}">
-                <a16:creationId xmlns:a16="http://schemas.microsoft.com/office/drawing/2014/main" id="{68826EBD-3F7B-48C0-8FA0-3BB6369BE0CC}"/>
-              </a:ext>
-            </a:extLst>
-          </p:cNvPr>
+          <p:cNvPr id="5" name="Slide Number Placeholder 4"/>
           <p:cNvSpPr>
             <a:spLocks noGrp="1"/>
           </p:cNvSpPr>
@@ -2243,7 +2000,7 @@
     </p:spTree>
     <p:extLst>
       <p:ext uri="{BB962C8B-B14F-4D97-AF65-F5344CB8AC3E}">
-        <p14:creationId xmlns:p14="http://schemas.microsoft.com/office/powerpoint/2010/main" val="2633890787"/>
+        <p14:creationId xmlns:p14="http://schemas.microsoft.com/office/powerpoint/2010/main" val="118090624"/>
       </p:ext>
     </p:extLst>
   </p:cSld>
@@ -2272,13 +2029,7 @@
       </p:grpSpPr>
       <p:sp>
         <p:nvSpPr>
-          <p:cNvPr id="2" name="日付プレースホルダー 1">
-            <a:extLst>
-              <a:ext uri="{FF2B5EF4-FFF2-40B4-BE49-F238E27FC236}">
-                <a16:creationId xmlns:a16="http://schemas.microsoft.com/office/drawing/2014/main" id="{34F11CD7-6158-479E-80E0-14A9A8070C3F}"/>
-              </a:ext>
-            </a:extLst>
-          </p:cNvPr>
+          <p:cNvPr id="2" name="Date Placeholder 1"/>
           <p:cNvSpPr>
             <a:spLocks noGrp="1"/>
           </p:cNvSpPr>
@@ -2301,13 +2052,7 @@
       </p:sp>
       <p:sp>
         <p:nvSpPr>
-          <p:cNvPr id="3" name="フッター プレースホルダー 2">
-            <a:extLst>
-              <a:ext uri="{FF2B5EF4-FFF2-40B4-BE49-F238E27FC236}">
-                <a16:creationId xmlns:a16="http://schemas.microsoft.com/office/drawing/2014/main" id="{7850DFD4-FA38-4AB7-A059-308E39599BE8}"/>
-              </a:ext>
-            </a:extLst>
-          </p:cNvPr>
+          <p:cNvPr id="3" name="Footer Placeholder 2"/>
           <p:cNvSpPr>
             <a:spLocks noGrp="1"/>
           </p:cNvSpPr>
@@ -2326,13 +2071,7 @@
       </p:sp>
       <p:sp>
         <p:nvSpPr>
-          <p:cNvPr id="4" name="スライド番号プレースホルダー 3">
-            <a:extLst>
-              <a:ext uri="{FF2B5EF4-FFF2-40B4-BE49-F238E27FC236}">
-                <a16:creationId xmlns:a16="http://schemas.microsoft.com/office/drawing/2014/main" id="{97814BDA-27ED-4CD2-B3B1-38F95270CEC3}"/>
-              </a:ext>
-            </a:extLst>
-          </p:cNvPr>
+          <p:cNvPr id="4" name="Slide Number Placeholder 3"/>
           <p:cNvSpPr>
             <a:spLocks noGrp="1"/>
           </p:cNvSpPr>
@@ -2356,7 +2095,7 @@
     </p:spTree>
     <p:extLst>
       <p:ext uri="{BB962C8B-B14F-4D97-AF65-F5344CB8AC3E}">
-        <p14:creationId xmlns:p14="http://schemas.microsoft.com/office/powerpoint/2010/main" val="1950866439"/>
+        <p14:creationId xmlns:p14="http://schemas.microsoft.com/office/powerpoint/2010/main" val="3295070288"/>
       </p:ext>
     </p:extLst>
   </p:cSld>
@@ -2385,13 +2124,7 @@
       </p:grpSpPr>
       <p:sp>
         <p:nvSpPr>
-          <p:cNvPr id="2" name="タイトル 1">
-            <a:extLst>
-              <a:ext uri="{FF2B5EF4-FFF2-40B4-BE49-F238E27FC236}">
-                <a16:creationId xmlns:a16="http://schemas.microsoft.com/office/drawing/2014/main" id="{3564B854-D80F-48B0-B748-F81472090857}"/>
-              </a:ext>
-            </a:extLst>
-          </p:cNvPr>
+          <p:cNvPr id="2" name="Title 1"/>
           <p:cNvSpPr>
             <a:spLocks noGrp="1"/>
           </p:cNvSpPr>
@@ -2401,34 +2134,29 @@
         </p:nvSpPr>
         <p:spPr>
           <a:xfrm>
-            <a:off x="839788" y="457200"/>
-            <a:ext cx="3932237" cy="1600200"/>
+            <a:off x="215196" y="208280"/>
+            <a:ext cx="1007636" cy="728980"/>
           </a:xfrm>
         </p:spPr>
         <p:txBody>
           <a:bodyPr anchor="b"/>
           <a:lstStyle>
             <a:lvl1pPr>
-              <a:defRPr sz="3200"/>
+              <a:defRPr sz="1093"/>
             </a:lvl1pPr>
           </a:lstStyle>
           <a:p>
             <a:r>
-              <a:rPr kumimoji="1" lang="ja-JP" altLang="en-US"/>
+              <a:rPr lang="ja-JP" altLang="en-US"/>
               <a:t>マスター タイトルの書式設定</a:t>
             </a:r>
-          </a:p>
-        </p:txBody>
-      </p:sp>
-      <p:sp>
-        <p:nvSpPr>
-          <p:cNvPr id="3" name="コンテンツ プレースホルダー 2">
-            <a:extLst>
-              <a:ext uri="{FF2B5EF4-FFF2-40B4-BE49-F238E27FC236}">
-                <a16:creationId xmlns:a16="http://schemas.microsoft.com/office/drawing/2014/main" id="{15F576A7-DD0B-42C0-BD49-F193E7069552}"/>
-              </a:ext>
-            </a:extLst>
-          </p:cNvPr>
+            <a:endParaRPr lang="en-US" dirty="0"/>
+          </a:p>
+        </p:txBody>
+      </p:sp>
+      <p:sp>
+        <p:nvSpPr>
+          <p:cNvPr id="3" name="Content Placeholder 2"/>
           <p:cNvSpPr>
             <a:spLocks noGrp="1"/>
           </p:cNvSpPr>
@@ -2438,119 +2166,114 @@
         </p:nvSpPr>
         <p:spPr>
           <a:xfrm>
-            <a:off x="5183188" y="987425"/>
-            <a:ext cx="6172200" cy="4873625"/>
+            <a:off x="1328192" y="449828"/>
+            <a:ext cx="1581626" cy="2220207"/>
           </a:xfrm>
         </p:spPr>
         <p:txBody>
           <a:bodyPr/>
           <a:lstStyle>
             <a:lvl1pPr>
-              <a:defRPr sz="3200"/>
+              <a:defRPr sz="1093"/>
             </a:lvl1pPr>
             <a:lvl2pPr>
-              <a:defRPr sz="2800"/>
+              <a:defRPr sz="957"/>
             </a:lvl2pPr>
             <a:lvl3pPr>
-              <a:defRPr sz="2400"/>
+              <a:defRPr sz="820"/>
             </a:lvl3pPr>
             <a:lvl4pPr>
-              <a:defRPr sz="2000"/>
+              <a:defRPr sz="683"/>
             </a:lvl4pPr>
             <a:lvl5pPr>
-              <a:defRPr sz="2000"/>
+              <a:defRPr sz="683"/>
             </a:lvl5pPr>
             <a:lvl6pPr>
-              <a:defRPr sz="2000"/>
+              <a:defRPr sz="683"/>
             </a:lvl6pPr>
             <a:lvl7pPr>
-              <a:defRPr sz="2000"/>
+              <a:defRPr sz="683"/>
             </a:lvl7pPr>
             <a:lvl8pPr>
-              <a:defRPr sz="2000"/>
+              <a:defRPr sz="683"/>
             </a:lvl8pPr>
             <a:lvl9pPr>
-              <a:defRPr sz="2000"/>
+              <a:defRPr sz="683"/>
             </a:lvl9pPr>
           </a:lstStyle>
           <a:p>
             <a:pPr lvl="0"/>
             <a:r>
-              <a:rPr kumimoji="1" lang="ja-JP" altLang="en-US"/>
+              <a:rPr lang="ja-JP" altLang="en-US"/>
               <a:t>マスター テキストの書式設定</a:t>
             </a:r>
           </a:p>
           <a:p>
             <a:pPr lvl="1"/>
             <a:r>
-              <a:rPr kumimoji="1" lang="ja-JP" altLang="en-US"/>
+              <a:rPr lang="ja-JP" altLang="en-US"/>
               <a:t>第 </a:t>
             </a:r>
             <a:r>
-              <a:rPr kumimoji="1" lang="en-US" altLang="ja-JP"/>
+              <a:rPr lang="en-US" altLang="ja-JP"/>
               <a:t>2 </a:t>
             </a:r>
             <a:r>
-              <a:rPr kumimoji="1" lang="ja-JP" altLang="en-US"/>
+              <a:rPr lang="ja-JP" altLang="en-US"/>
               <a:t>レベル</a:t>
             </a:r>
           </a:p>
           <a:p>
             <a:pPr lvl="2"/>
             <a:r>
-              <a:rPr kumimoji="1" lang="ja-JP" altLang="en-US"/>
+              <a:rPr lang="ja-JP" altLang="en-US"/>
               <a:t>第 </a:t>
             </a:r>
             <a:r>
-              <a:rPr kumimoji="1" lang="en-US" altLang="ja-JP"/>
+              <a:rPr lang="en-US" altLang="ja-JP"/>
               <a:t>3 </a:t>
             </a:r>
             <a:r>
-              <a:rPr kumimoji="1" lang="ja-JP" altLang="en-US"/>
+              <a:rPr lang="ja-JP" altLang="en-US"/>
               <a:t>レベル</a:t>
             </a:r>
           </a:p>
           <a:p>
             <a:pPr lvl="3"/>
             <a:r>
-              <a:rPr kumimoji="1" lang="ja-JP" altLang="en-US"/>
+              <a:rPr lang="ja-JP" altLang="en-US"/>
               <a:t>第 </a:t>
             </a:r>
             <a:r>
-              <a:rPr kumimoji="1" lang="en-US" altLang="ja-JP"/>
+              <a:rPr lang="en-US" altLang="ja-JP"/>
               <a:t>4 </a:t>
             </a:r>
             <a:r>
-              <a:rPr kumimoji="1" lang="ja-JP" altLang="en-US"/>
+              <a:rPr lang="ja-JP" altLang="en-US"/>
               <a:t>レベル</a:t>
             </a:r>
           </a:p>
           <a:p>
             <a:pPr lvl="4"/>
             <a:r>
-              <a:rPr kumimoji="1" lang="ja-JP" altLang="en-US"/>
+              <a:rPr lang="ja-JP" altLang="en-US"/>
               <a:t>第 </a:t>
             </a:r>
             <a:r>
-              <a:rPr kumimoji="1" lang="en-US" altLang="ja-JP"/>
+              <a:rPr lang="en-US" altLang="ja-JP"/>
               <a:t>5 </a:t>
             </a:r>
             <a:r>
-              <a:rPr kumimoji="1" lang="ja-JP" altLang="en-US"/>
+              <a:rPr lang="ja-JP" altLang="en-US"/>
               <a:t>レベル</a:t>
             </a:r>
-          </a:p>
-        </p:txBody>
-      </p:sp>
-      <p:sp>
-        <p:nvSpPr>
-          <p:cNvPr id="4" name="テキスト プレースホルダー 3">
-            <a:extLst>
-              <a:ext uri="{FF2B5EF4-FFF2-40B4-BE49-F238E27FC236}">
-                <a16:creationId xmlns:a16="http://schemas.microsoft.com/office/drawing/2014/main" id="{4555D767-7EA1-4C70-9C41-B4609A916E6F}"/>
-              </a:ext>
-            </a:extLst>
-          </p:cNvPr>
+            <a:endParaRPr lang="en-US" dirty="0"/>
+          </a:p>
+        </p:txBody>
+      </p:sp>
+      <p:sp>
+        <p:nvSpPr>
+          <p:cNvPr id="4" name="Text Placeholder 3"/>
           <p:cNvSpPr>
             <a:spLocks noGrp="1"/>
           </p:cNvSpPr>
@@ -2560,8 +2283,8 @@
         </p:nvSpPr>
         <p:spPr>
           <a:xfrm>
-            <a:off x="839788" y="2057400"/>
-            <a:ext cx="3932237" cy="3811588"/>
+            <a:off x="215196" y="937260"/>
+            <a:ext cx="1007636" cy="1736390"/>
           </a:xfrm>
         </p:spPr>
         <p:txBody>
@@ -2569,45 +2292,45 @@
           <a:lstStyle>
             <a:lvl1pPr marL="0" indent="0">
               <a:buNone/>
-              <a:defRPr sz="1600"/>
+              <a:defRPr sz="547"/>
             </a:lvl1pPr>
-            <a:lvl2pPr marL="457200" indent="0">
-              <a:buNone/>
-              <a:defRPr sz="1400"/>
+            <a:lvl2pPr marL="156225" indent="0">
+              <a:buNone/>
+              <a:defRPr sz="478"/>
             </a:lvl2pPr>
-            <a:lvl3pPr marL="914400" indent="0">
-              <a:buNone/>
-              <a:defRPr sz="1200"/>
+            <a:lvl3pPr marL="312450" indent="0">
+              <a:buNone/>
+              <a:defRPr sz="410"/>
             </a:lvl3pPr>
-            <a:lvl4pPr marL="1371600" indent="0">
-              <a:buNone/>
-              <a:defRPr sz="1000"/>
+            <a:lvl4pPr marL="468676" indent="0">
+              <a:buNone/>
+              <a:defRPr sz="342"/>
             </a:lvl4pPr>
-            <a:lvl5pPr marL="1828800" indent="0">
-              <a:buNone/>
-              <a:defRPr sz="1000"/>
+            <a:lvl5pPr marL="624901" indent="0">
+              <a:buNone/>
+              <a:defRPr sz="342"/>
             </a:lvl5pPr>
-            <a:lvl6pPr marL="2286000" indent="0">
-              <a:buNone/>
-              <a:defRPr sz="1000"/>
+            <a:lvl6pPr marL="781126" indent="0">
+              <a:buNone/>
+              <a:defRPr sz="342"/>
             </a:lvl6pPr>
-            <a:lvl7pPr marL="2743200" indent="0">
-              <a:buNone/>
-              <a:defRPr sz="1000"/>
+            <a:lvl7pPr marL="937351" indent="0">
+              <a:buNone/>
+              <a:defRPr sz="342"/>
             </a:lvl7pPr>
-            <a:lvl8pPr marL="3200400" indent="0">
-              <a:buNone/>
-              <a:defRPr sz="1000"/>
+            <a:lvl8pPr marL="1093577" indent="0">
+              <a:buNone/>
+              <a:defRPr sz="342"/>
             </a:lvl8pPr>
-            <a:lvl9pPr marL="3657600" indent="0">
-              <a:buNone/>
-              <a:defRPr sz="1000"/>
+            <a:lvl9pPr marL="1249802" indent="0">
+              <a:buNone/>
+              <a:defRPr sz="342"/>
             </a:lvl9pPr>
           </a:lstStyle>
           <a:p>
             <a:pPr lvl="0"/>
             <a:r>
-              <a:rPr kumimoji="1" lang="ja-JP" altLang="en-US"/>
+              <a:rPr lang="ja-JP" altLang="en-US"/>
               <a:t>マスター テキストの書式設定</a:t>
             </a:r>
           </a:p>
@@ -2615,13 +2338,7 @@
       </p:sp>
       <p:sp>
         <p:nvSpPr>
-          <p:cNvPr id="5" name="日付プレースホルダー 4">
-            <a:extLst>
-              <a:ext uri="{FF2B5EF4-FFF2-40B4-BE49-F238E27FC236}">
-                <a16:creationId xmlns:a16="http://schemas.microsoft.com/office/drawing/2014/main" id="{AB41D9FC-0EB0-4578-AD33-F94DB9C0A134}"/>
-              </a:ext>
-            </a:extLst>
-          </p:cNvPr>
+          <p:cNvPr id="5" name="Date Placeholder 4"/>
           <p:cNvSpPr>
             <a:spLocks noGrp="1"/>
           </p:cNvSpPr>
@@ -2644,13 +2361,7 @@
       </p:sp>
       <p:sp>
         <p:nvSpPr>
-          <p:cNvPr id="6" name="フッター プレースホルダー 5">
-            <a:extLst>
-              <a:ext uri="{FF2B5EF4-FFF2-40B4-BE49-F238E27FC236}">
-                <a16:creationId xmlns:a16="http://schemas.microsoft.com/office/drawing/2014/main" id="{649FC366-F826-4468-94B1-8AD0D4312398}"/>
-              </a:ext>
-            </a:extLst>
-          </p:cNvPr>
+          <p:cNvPr id="6" name="Footer Placeholder 5"/>
           <p:cNvSpPr>
             <a:spLocks noGrp="1"/>
           </p:cNvSpPr>
@@ -2669,13 +2380,7 @@
       </p:sp>
       <p:sp>
         <p:nvSpPr>
-          <p:cNvPr id="7" name="スライド番号プレースホルダー 6">
-            <a:extLst>
-              <a:ext uri="{FF2B5EF4-FFF2-40B4-BE49-F238E27FC236}">
-                <a16:creationId xmlns:a16="http://schemas.microsoft.com/office/drawing/2014/main" id="{932AAB0C-4800-4AA9-8A1C-DDB408066892}"/>
-              </a:ext>
-            </a:extLst>
-          </p:cNvPr>
+          <p:cNvPr id="7" name="Slide Number Placeholder 6"/>
           <p:cNvSpPr>
             <a:spLocks noGrp="1"/>
           </p:cNvSpPr>
@@ -2699,7 +2404,7 @@
     </p:spTree>
     <p:extLst>
       <p:ext uri="{BB962C8B-B14F-4D97-AF65-F5344CB8AC3E}">
-        <p14:creationId xmlns:p14="http://schemas.microsoft.com/office/powerpoint/2010/main" val="639640564"/>
+        <p14:creationId xmlns:p14="http://schemas.microsoft.com/office/powerpoint/2010/main" val="4148640831"/>
       </p:ext>
     </p:extLst>
   </p:cSld>
@@ -2728,13 +2433,7 @@
       </p:grpSpPr>
       <p:sp>
         <p:nvSpPr>
-          <p:cNvPr id="2" name="タイトル 1">
-            <a:extLst>
-              <a:ext uri="{FF2B5EF4-FFF2-40B4-BE49-F238E27FC236}">
-                <a16:creationId xmlns:a16="http://schemas.microsoft.com/office/drawing/2014/main" id="{73F82A8D-5C9E-40D9-96D5-726CFA52416A}"/>
-              </a:ext>
-            </a:extLst>
-          </p:cNvPr>
+          <p:cNvPr id="2" name="Title 1"/>
           <p:cNvSpPr>
             <a:spLocks noGrp="1"/>
           </p:cNvSpPr>
@@ -2744,36 +2443,31 @@
         </p:nvSpPr>
         <p:spPr>
           <a:xfrm>
-            <a:off x="839788" y="457200"/>
-            <a:ext cx="3932237" cy="1600200"/>
+            <a:off x="215196" y="208280"/>
+            <a:ext cx="1007636" cy="728980"/>
           </a:xfrm>
         </p:spPr>
         <p:txBody>
           <a:bodyPr anchor="b"/>
           <a:lstStyle>
             <a:lvl1pPr>
-              <a:defRPr sz="3200"/>
+              <a:defRPr sz="1093"/>
             </a:lvl1pPr>
           </a:lstStyle>
           <a:p>
             <a:r>
-              <a:rPr kumimoji="1" lang="ja-JP" altLang="en-US"/>
+              <a:rPr lang="ja-JP" altLang="en-US"/>
               <a:t>マスター タイトルの書式設定</a:t>
             </a:r>
-          </a:p>
-        </p:txBody>
-      </p:sp>
-      <p:sp>
-        <p:nvSpPr>
-          <p:cNvPr id="3" name="図プレースホルダー 2">
-            <a:extLst>
-              <a:ext uri="{FF2B5EF4-FFF2-40B4-BE49-F238E27FC236}">
-                <a16:creationId xmlns:a16="http://schemas.microsoft.com/office/drawing/2014/main" id="{077985B1-1993-4980-AACF-3A054B9C74E6}"/>
-              </a:ext>
-            </a:extLst>
-          </p:cNvPr>
-          <p:cNvSpPr>
-            <a:spLocks noGrp="1"/>
+            <a:endParaRPr lang="en-US" dirty="0"/>
+          </a:p>
+        </p:txBody>
+      </p:sp>
+      <p:sp>
+        <p:nvSpPr>
+          <p:cNvPr id="3" name="Picture Placeholder 2"/>
+          <p:cNvSpPr>
+            <a:spLocks noGrp="1" noChangeAspect="1"/>
           </p:cNvSpPr>
           <p:nvPr>
             <p:ph type="pic" idx="1"/>
@@ -2781,64 +2475,62 @@
         </p:nvSpPr>
         <p:spPr>
           <a:xfrm>
-            <a:off x="5183188" y="987425"/>
-            <a:ext cx="6172200" cy="4873625"/>
+            <a:off x="1328192" y="449828"/>
+            <a:ext cx="1581626" cy="2220207"/>
           </a:xfrm>
         </p:spPr>
         <p:txBody>
-          <a:bodyPr/>
+          <a:bodyPr anchor="t"/>
           <a:lstStyle>
             <a:lvl1pPr marL="0" indent="0">
               <a:buNone/>
-              <a:defRPr sz="3200"/>
+              <a:defRPr sz="1093"/>
             </a:lvl1pPr>
-            <a:lvl2pPr marL="457200" indent="0">
-              <a:buNone/>
-              <a:defRPr sz="2800"/>
+            <a:lvl2pPr marL="156225" indent="0">
+              <a:buNone/>
+              <a:defRPr sz="957"/>
             </a:lvl2pPr>
-            <a:lvl3pPr marL="914400" indent="0">
-              <a:buNone/>
-              <a:defRPr sz="2400"/>
+            <a:lvl3pPr marL="312450" indent="0">
+              <a:buNone/>
+              <a:defRPr sz="820"/>
             </a:lvl3pPr>
-            <a:lvl4pPr marL="1371600" indent="0">
-              <a:buNone/>
-              <a:defRPr sz="2000"/>
+            <a:lvl4pPr marL="468676" indent="0">
+              <a:buNone/>
+              <a:defRPr sz="683"/>
             </a:lvl4pPr>
-            <a:lvl5pPr marL="1828800" indent="0">
-              <a:buNone/>
-              <a:defRPr sz="2000"/>
+            <a:lvl5pPr marL="624901" indent="0">
+              <a:buNone/>
+              <a:defRPr sz="683"/>
             </a:lvl5pPr>
-            <a:lvl6pPr marL="2286000" indent="0">
-              <a:buNone/>
-              <a:defRPr sz="2000"/>
+            <a:lvl6pPr marL="781126" indent="0">
+              <a:buNone/>
+              <a:defRPr sz="683"/>
             </a:lvl6pPr>
-            <a:lvl7pPr marL="2743200" indent="0">
-              <a:buNone/>
-              <a:defRPr sz="2000"/>
+            <a:lvl7pPr marL="937351" indent="0">
+              <a:buNone/>
+              <a:defRPr sz="683"/>
             </a:lvl7pPr>
-            <a:lvl8pPr marL="3200400" indent="0">
-              <a:buNone/>
-              <a:defRPr sz="2000"/>
+            <a:lvl8pPr marL="1093577" indent="0">
+              <a:buNone/>
+              <a:defRPr sz="683"/>
             </a:lvl8pPr>
-            <a:lvl9pPr marL="3657600" indent="0">
-              <a:buNone/>
-              <a:defRPr sz="2000"/>
+            <a:lvl9pPr marL="1249802" indent="0">
+              <a:buNone/>
+              <a:defRPr sz="683"/>
             </a:lvl9pPr>
           </a:lstStyle>
           <a:p>
-            <a:endParaRPr kumimoji="1" lang="ja-JP" altLang="en-US"/>
-          </a:p>
-        </p:txBody>
-      </p:sp>
-      <p:sp>
-        <p:nvSpPr>
-          <p:cNvPr id="4" name="テキスト プレースホルダー 3">
-            <a:extLst>
-              <a:ext uri="{FF2B5EF4-FFF2-40B4-BE49-F238E27FC236}">
-                <a16:creationId xmlns:a16="http://schemas.microsoft.com/office/drawing/2014/main" id="{F0E78A05-4313-402C-9A19-689079A0665E}"/>
-              </a:ext>
-            </a:extLst>
-          </p:cNvPr>
+            <a:r>
+              <a:rPr lang="ja-JP" altLang="en-US"/>
+              <a:t>アイコンをクリックして図を追加</a:t>
+            </a:r>
+            <a:endParaRPr lang="en-US" dirty="0"/>
+          </a:p>
+        </p:txBody>
+      </p:sp>
+      <p:sp>
+        <p:nvSpPr>
+          <p:cNvPr id="4" name="Text Placeholder 3"/>
           <p:cNvSpPr>
             <a:spLocks noGrp="1"/>
           </p:cNvSpPr>
@@ -2848,8 +2540,8 @@
         </p:nvSpPr>
         <p:spPr>
           <a:xfrm>
-            <a:off x="839788" y="2057400"/>
-            <a:ext cx="3932237" cy="3811588"/>
+            <a:off x="215196" y="937260"/>
+            <a:ext cx="1007636" cy="1736390"/>
           </a:xfrm>
         </p:spPr>
         <p:txBody>
@@ -2857,45 +2549,45 @@
           <a:lstStyle>
             <a:lvl1pPr marL="0" indent="0">
               <a:buNone/>
-              <a:defRPr sz="1600"/>
+              <a:defRPr sz="547"/>
             </a:lvl1pPr>
-            <a:lvl2pPr marL="457200" indent="0">
-              <a:buNone/>
-              <a:defRPr sz="1400"/>
+            <a:lvl2pPr marL="156225" indent="0">
+              <a:buNone/>
+              <a:defRPr sz="478"/>
             </a:lvl2pPr>
-            <a:lvl3pPr marL="914400" indent="0">
-              <a:buNone/>
-              <a:defRPr sz="1200"/>
+            <a:lvl3pPr marL="312450" indent="0">
+              <a:buNone/>
+              <a:defRPr sz="410"/>
             </a:lvl3pPr>
-            <a:lvl4pPr marL="1371600" indent="0">
-              <a:buNone/>
-              <a:defRPr sz="1000"/>
+            <a:lvl4pPr marL="468676" indent="0">
+              <a:buNone/>
+              <a:defRPr sz="342"/>
             </a:lvl4pPr>
-            <a:lvl5pPr marL="1828800" indent="0">
-              <a:buNone/>
-              <a:defRPr sz="1000"/>
+            <a:lvl5pPr marL="624901" indent="0">
+              <a:buNone/>
+              <a:defRPr sz="342"/>
             </a:lvl5pPr>
-            <a:lvl6pPr marL="2286000" indent="0">
-              <a:buNone/>
-              <a:defRPr sz="1000"/>
+            <a:lvl6pPr marL="781126" indent="0">
+              <a:buNone/>
+              <a:defRPr sz="342"/>
             </a:lvl6pPr>
-            <a:lvl7pPr marL="2743200" indent="0">
-              <a:buNone/>
-              <a:defRPr sz="1000"/>
+            <a:lvl7pPr marL="937351" indent="0">
+              <a:buNone/>
+              <a:defRPr sz="342"/>
             </a:lvl7pPr>
-            <a:lvl8pPr marL="3200400" indent="0">
-              <a:buNone/>
-              <a:defRPr sz="1000"/>
+            <a:lvl8pPr marL="1093577" indent="0">
+              <a:buNone/>
+              <a:defRPr sz="342"/>
             </a:lvl8pPr>
-            <a:lvl9pPr marL="3657600" indent="0">
-              <a:buNone/>
-              <a:defRPr sz="1000"/>
+            <a:lvl9pPr marL="1249802" indent="0">
+              <a:buNone/>
+              <a:defRPr sz="342"/>
             </a:lvl9pPr>
           </a:lstStyle>
           <a:p>
             <a:pPr lvl="0"/>
             <a:r>
-              <a:rPr kumimoji="1" lang="ja-JP" altLang="en-US"/>
+              <a:rPr lang="ja-JP" altLang="en-US"/>
               <a:t>マスター テキストの書式設定</a:t>
             </a:r>
           </a:p>
@@ -2903,13 +2595,7 @@
       </p:sp>
       <p:sp>
         <p:nvSpPr>
-          <p:cNvPr id="5" name="日付プレースホルダー 4">
-            <a:extLst>
-              <a:ext uri="{FF2B5EF4-FFF2-40B4-BE49-F238E27FC236}">
-                <a16:creationId xmlns:a16="http://schemas.microsoft.com/office/drawing/2014/main" id="{1206E5EB-044A-4F8A-92FA-D6D1D7D925E4}"/>
-              </a:ext>
-            </a:extLst>
-          </p:cNvPr>
+          <p:cNvPr id="5" name="Date Placeholder 4"/>
           <p:cNvSpPr>
             <a:spLocks noGrp="1"/>
           </p:cNvSpPr>
@@ -2932,13 +2618,7 @@
       </p:sp>
       <p:sp>
         <p:nvSpPr>
-          <p:cNvPr id="6" name="フッター プレースホルダー 5">
-            <a:extLst>
-              <a:ext uri="{FF2B5EF4-FFF2-40B4-BE49-F238E27FC236}">
-                <a16:creationId xmlns:a16="http://schemas.microsoft.com/office/drawing/2014/main" id="{436E6DFB-B140-46E2-8121-76A141EF9264}"/>
-              </a:ext>
-            </a:extLst>
-          </p:cNvPr>
+          <p:cNvPr id="6" name="Footer Placeholder 5"/>
           <p:cNvSpPr>
             <a:spLocks noGrp="1"/>
           </p:cNvSpPr>
@@ -2957,13 +2637,7 @@
       </p:sp>
       <p:sp>
         <p:nvSpPr>
-          <p:cNvPr id="7" name="スライド番号プレースホルダー 6">
-            <a:extLst>
-              <a:ext uri="{FF2B5EF4-FFF2-40B4-BE49-F238E27FC236}">
-                <a16:creationId xmlns:a16="http://schemas.microsoft.com/office/drawing/2014/main" id="{8A98D6A9-EA3C-45B8-A958-81B608114023}"/>
-              </a:ext>
-            </a:extLst>
-          </p:cNvPr>
+          <p:cNvPr id="7" name="Slide Number Placeholder 6"/>
           <p:cNvSpPr>
             <a:spLocks noGrp="1"/>
           </p:cNvSpPr>
@@ -2987,7 +2661,7 @@
     </p:spTree>
     <p:extLst>
       <p:ext uri="{BB962C8B-B14F-4D97-AF65-F5344CB8AC3E}">
-        <p14:creationId xmlns:p14="http://schemas.microsoft.com/office/powerpoint/2010/main" val="1229526262"/>
+        <p14:creationId xmlns:p14="http://schemas.microsoft.com/office/powerpoint/2010/main" val="3936668838"/>
       </p:ext>
     </p:extLst>
   </p:cSld>
@@ -3021,13 +2695,7 @@
       </p:grpSpPr>
       <p:sp>
         <p:nvSpPr>
-          <p:cNvPr id="2" name="タイトル プレースホルダー 1">
-            <a:extLst>
-              <a:ext uri="{FF2B5EF4-FFF2-40B4-BE49-F238E27FC236}">
-                <a16:creationId xmlns:a16="http://schemas.microsoft.com/office/drawing/2014/main" id="{CADA84D9-1990-4923-AB2E-6D6FB63C4AD8}"/>
-              </a:ext>
-            </a:extLst>
-          </p:cNvPr>
+          <p:cNvPr id="2" name="Title Placeholder 1"/>
           <p:cNvSpPr>
             <a:spLocks noGrp="1"/>
           </p:cNvSpPr>
@@ -3037,8 +2705,8 @@
         </p:nvSpPr>
         <p:spPr>
           <a:xfrm>
-            <a:off x="838200" y="365125"/>
-            <a:ext cx="10515600" cy="1325563"/>
+            <a:off x="214789" y="166335"/>
+            <a:ext cx="2694623" cy="603868"/>
           </a:xfrm>
           <a:prstGeom prst="rect">
             <a:avLst/>
@@ -3051,21 +2719,16 @@
           <a:lstStyle/>
           <a:p>
             <a:r>
-              <a:rPr kumimoji="1" lang="ja-JP" altLang="en-US"/>
+              <a:rPr lang="ja-JP" altLang="en-US"/>
               <a:t>マスター タイトルの書式設定</a:t>
             </a:r>
-          </a:p>
-        </p:txBody>
-      </p:sp>
-      <p:sp>
-        <p:nvSpPr>
-          <p:cNvPr id="3" name="テキスト プレースホルダー 2">
-            <a:extLst>
-              <a:ext uri="{FF2B5EF4-FFF2-40B4-BE49-F238E27FC236}">
-                <a16:creationId xmlns:a16="http://schemas.microsoft.com/office/drawing/2014/main" id="{F3CF3339-8D26-4ECA-BABB-934C059A0085}"/>
-              </a:ext>
-            </a:extLst>
-          </p:cNvPr>
+            <a:endParaRPr lang="en-US" dirty="0"/>
+          </a:p>
+        </p:txBody>
+      </p:sp>
+      <p:sp>
+        <p:nvSpPr>
+          <p:cNvPr id="3" name="Text Placeholder 2"/>
           <p:cNvSpPr>
             <a:spLocks noGrp="1"/>
           </p:cNvSpPr>
@@ -3075,8 +2738,8 @@
         </p:nvSpPr>
         <p:spPr>
           <a:xfrm>
-            <a:off x="838200" y="1825625"/>
-            <a:ext cx="10515600" cy="4351338"/>
+            <a:off x="214789" y="831674"/>
+            <a:ext cx="2694623" cy="1982276"/>
           </a:xfrm>
           <a:prstGeom prst="rect">
             <a:avLst/>
@@ -3090,81 +2753,76 @@
           <a:p>
             <a:pPr lvl="0"/>
             <a:r>
-              <a:rPr kumimoji="1" lang="ja-JP" altLang="en-US"/>
+              <a:rPr lang="ja-JP" altLang="en-US"/>
               <a:t>マスター テキストの書式設定</a:t>
             </a:r>
           </a:p>
           <a:p>
             <a:pPr lvl="1"/>
             <a:r>
-              <a:rPr kumimoji="1" lang="ja-JP" altLang="en-US"/>
+              <a:rPr lang="ja-JP" altLang="en-US"/>
               <a:t>第 </a:t>
             </a:r>
             <a:r>
-              <a:rPr kumimoji="1" lang="en-US" altLang="ja-JP"/>
+              <a:rPr lang="en-US" altLang="ja-JP"/>
               <a:t>2 </a:t>
             </a:r>
             <a:r>
-              <a:rPr kumimoji="1" lang="ja-JP" altLang="en-US"/>
+              <a:rPr lang="ja-JP" altLang="en-US"/>
               <a:t>レベル</a:t>
             </a:r>
           </a:p>
           <a:p>
             <a:pPr lvl="2"/>
             <a:r>
-              <a:rPr kumimoji="1" lang="ja-JP" altLang="en-US"/>
+              <a:rPr lang="ja-JP" altLang="en-US"/>
               <a:t>第 </a:t>
             </a:r>
             <a:r>
-              <a:rPr kumimoji="1" lang="en-US" altLang="ja-JP"/>
+              <a:rPr lang="en-US" altLang="ja-JP"/>
               <a:t>3 </a:t>
             </a:r>
             <a:r>
-              <a:rPr kumimoji="1" lang="ja-JP" altLang="en-US"/>
+              <a:rPr lang="ja-JP" altLang="en-US"/>
               <a:t>レベル</a:t>
             </a:r>
           </a:p>
           <a:p>
             <a:pPr lvl="3"/>
             <a:r>
-              <a:rPr kumimoji="1" lang="ja-JP" altLang="en-US"/>
+              <a:rPr lang="ja-JP" altLang="en-US"/>
               <a:t>第 </a:t>
             </a:r>
             <a:r>
-              <a:rPr kumimoji="1" lang="en-US" altLang="ja-JP"/>
+              <a:rPr lang="en-US" altLang="ja-JP"/>
               <a:t>4 </a:t>
             </a:r>
             <a:r>
-              <a:rPr kumimoji="1" lang="ja-JP" altLang="en-US"/>
+              <a:rPr lang="ja-JP" altLang="en-US"/>
               <a:t>レベル</a:t>
             </a:r>
           </a:p>
           <a:p>
             <a:pPr lvl="4"/>
             <a:r>
-              <a:rPr kumimoji="1" lang="ja-JP" altLang="en-US"/>
+              <a:rPr lang="ja-JP" altLang="en-US"/>
               <a:t>第 </a:t>
             </a:r>
             <a:r>
-              <a:rPr kumimoji="1" lang="en-US" altLang="ja-JP"/>
+              <a:rPr lang="en-US" altLang="ja-JP"/>
               <a:t>5 </a:t>
             </a:r>
             <a:r>
-              <a:rPr kumimoji="1" lang="ja-JP" altLang="en-US"/>
+              <a:rPr lang="ja-JP" altLang="en-US"/>
               <a:t>レベル</a:t>
             </a:r>
-          </a:p>
-        </p:txBody>
-      </p:sp>
-      <p:sp>
-        <p:nvSpPr>
-          <p:cNvPr id="4" name="日付プレースホルダー 3">
-            <a:extLst>
-              <a:ext uri="{FF2B5EF4-FFF2-40B4-BE49-F238E27FC236}">
-                <a16:creationId xmlns:a16="http://schemas.microsoft.com/office/drawing/2014/main" id="{0EF27AB5-B81E-40B7-B0F7-D3711B8539E5}"/>
-              </a:ext>
-            </a:extLst>
-          </p:cNvPr>
+            <a:endParaRPr lang="en-US" dirty="0"/>
+          </a:p>
+        </p:txBody>
+      </p:sp>
+      <p:sp>
+        <p:nvSpPr>
+          <p:cNvPr id="4" name="Date Placeholder 3"/>
           <p:cNvSpPr>
             <a:spLocks noGrp="1"/>
           </p:cNvSpPr>
@@ -3174,8 +2832,8 @@
         </p:nvSpPr>
         <p:spPr>
           <a:xfrm>
-            <a:off x="838200" y="6356350"/>
-            <a:ext cx="2743200" cy="365125"/>
+            <a:off x="214789" y="2895671"/>
+            <a:ext cx="702945" cy="166335"/>
           </a:xfrm>
           <a:prstGeom prst="rect">
             <a:avLst/>
@@ -3185,7 +2843,7 @@
           <a:bodyPr vert="horz" lIns="91440" tIns="45720" rIns="91440" bIns="45720" rtlCol="0" anchor="ctr"/>
           <a:lstStyle>
             <a:lvl1pPr algn="l">
-              <a:defRPr sz="1200">
+              <a:defRPr sz="410">
                 <a:solidFill>
                   <a:schemeClr val="tx1">
                     <a:tint val="75000"/>
@@ -3205,13 +2863,7 @@
       </p:sp>
       <p:sp>
         <p:nvSpPr>
-          <p:cNvPr id="5" name="フッター プレースホルダー 4">
-            <a:extLst>
-              <a:ext uri="{FF2B5EF4-FFF2-40B4-BE49-F238E27FC236}">
-                <a16:creationId xmlns:a16="http://schemas.microsoft.com/office/drawing/2014/main" id="{77190F23-8504-4B4A-8842-E8AA0BB2704A}"/>
-              </a:ext>
-            </a:extLst>
-          </p:cNvPr>
+          <p:cNvPr id="5" name="Footer Placeholder 4"/>
           <p:cNvSpPr>
             <a:spLocks noGrp="1"/>
           </p:cNvSpPr>
@@ -3221,8 +2873,8 @@
         </p:nvSpPr>
         <p:spPr>
           <a:xfrm>
-            <a:off x="4038600" y="6356350"/>
-            <a:ext cx="4114800" cy="365125"/>
+            <a:off x="1034891" y="2895671"/>
+            <a:ext cx="1054418" cy="166335"/>
           </a:xfrm>
           <a:prstGeom prst="rect">
             <a:avLst/>
@@ -3232,7 +2884,7 @@
           <a:bodyPr vert="horz" lIns="91440" tIns="45720" rIns="91440" bIns="45720" rtlCol="0" anchor="ctr"/>
           <a:lstStyle>
             <a:lvl1pPr algn="ctr">
-              <a:defRPr sz="1200">
+              <a:defRPr sz="410">
                 <a:solidFill>
                   <a:schemeClr val="tx1">
                     <a:tint val="75000"/>
@@ -3248,13 +2900,7 @@
       </p:sp>
       <p:sp>
         <p:nvSpPr>
-          <p:cNvPr id="6" name="スライド番号プレースホルダー 5">
-            <a:extLst>
-              <a:ext uri="{FF2B5EF4-FFF2-40B4-BE49-F238E27FC236}">
-                <a16:creationId xmlns:a16="http://schemas.microsoft.com/office/drawing/2014/main" id="{4D4802B9-7B27-4623-8593-CE99E056ECFE}"/>
-              </a:ext>
-            </a:extLst>
-          </p:cNvPr>
+          <p:cNvPr id="6" name="Slide Number Placeholder 5"/>
           <p:cNvSpPr>
             <a:spLocks noGrp="1"/>
           </p:cNvSpPr>
@@ -3264,8 +2910,8 @@
         </p:nvSpPr>
         <p:spPr>
           <a:xfrm>
-            <a:off x="8610600" y="6356350"/>
-            <a:ext cx="2743200" cy="365125"/>
+            <a:off x="2206466" y="2895671"/>
+            <a:ext cx="702945" cy="166335"/>
           </a:xfrm>
           <a:prstGeom prst="rect">
             <a:avLst/>
@@ -3275,7 +2921,7 @@
           <a:bodyPr vert="horz" lIns="91440" tIns="45720" rIns="91440" bIns="45720" rtlCol="0" anchor="ctr"/>
           <a:lstStyle>
             <a:lvl1pPr algn="r">
-              <a:defRPr sz="1200">
+              <a:defRPr sz="410">
                 <a:solidFill>
                   <a:schemeClr val="tx1">
                     <a:tint val="75000"/>
@@ -3296,27 +2942,27 @@
     </p:spTree>
     <p:extLst>
       <p:ext uri="{BB962C8B-B14F-4D97-AF65-F5344CB8AC3E}">
-        <p14:creationId xmlns:p14="http://schemas.microsoft.com/office/powerpoint/2010/main" val="1124912991"/>
+        <p14:creationId xmlns:p14="http://schemas.microsoft.com/office/powerpoint/2010/main" val="4087134387"/>
       </p:ext>
     </p:extLst>
   </p:cSld>
   <p:clrMap bg1="lt1" tx1="dk1" bg2="lt2" tx2="dk2" accent1="accent1" accent2="accent2" accent3="accent3" accent4="accent4" accent5="accent5" accent6="accent6" hlink="hlink" folHlink="folHlink"/>
   <p:sldLayoutIdLst>
-    <p:sldLayoutId id="2147483649" r:id="rId1"/>
-    <p:sldLayoutId id="2147483650" r:id="rId2"/>
-    <p:sldLayoutId id="2147483651" r:id="rId3"/>
-    <p:sldLayoutId id="2147483652" r:id="rId4"/>
-    <p:sldLayoutId id="2147483653" r:id="rId5"/>
-    <p:sldLayoutId id="2147483654" r:id="rId6"/>
-    <p:sldLayoutId id="2147483655" r:id="rId7"/>
-    <p:sldLayoutId id="2147483656" r:id="rId8"/>
-    <p:sldLayoutId id="2147483657" r:id="rId9"/>
-    <p:sldLayoutId id="2147483658" r:id="rId10"/>
-    <p:sldLayoutId id="2147483659" r:id="rId11"/>
+    <p:sldLayoutId id="2147483661" r:id="rId1"/>
+    <p:sldLayoutId id="2147483662" r:id="rId2"/>
+    <p:sldLayoutId id="2147483663" r:id="rId3"/>
+    <p:sldLayoutId id="2147483664" r:id="rId4"/>
+    <p:sldLayoutId id="2147483665" r:id="rId5"/>
+    <p:sldLayoutId id="2147483666" r:id="rId6"/>
+    <p:sldLayoutId id="2147483667" r:id="rId7"/>
+    <p:sldLayoutId id="2147483668" r:id="rId8"/>
+    <p:sldLayoutId id="2147483669" r:id="rId9"/>
+    <p:sldLayoutId id="2147483670" r:id="rId10"/>
+    <p:sldLayoutId id="2147483671" r:id="rId11"/>
   </p:sldLayoutIdLst>
   <p:txStyles>
     <p:titleStyle>
-      <a:lvl1pPr algn="l" defTabSz="914400" rtl="0" eaLnBrk="1" latinLnBrk="0" hangingPunct="1">
+      <a:lvl1pPr algn="l" defTabSz="312450" rtl="0" eaLnBrk="1" latinLnBrk="0" hangingPunct="1">
         <a:lnSpc>
           <a:spcPct val="90000"/>
         </a:lnSpc>
@@ -3324,7 +2970,7 @@
           <a:spcPct val="0"/>
         </a:spcBef>
         <a:buNone/>
-        <a:defRPr kumimoji="1" sz="4400" kern="1200">
+        <a:defRPr kumimoji="1" sz="1503" kern="1200">
           <a:solidFill>
             <a:schemeClr val="tx1"/>
           </a:solidFill>
@@ -3335,16 +2981,16 @@
       </a:lvl1pPr>
     </p:titleStyle>
     <p:bodyStyle>
-      <a:lvl1pPr marL="228600" indent="-228600" algn="l" defTabSz="914400" rtl="0" eaLnBrk="1" latinLnBrk="0" hangingPunct="1">
+      <a:lvl1pPr marL="78113" indent="-78113" algn="l" defTabSz="312450" rtl="0" eaLnBrk="1" latinLnBrk="0" hangingPunct="1">
         <a:lnSpc>
           <a:spcPct val="90000"/>
         </a:lnSpc>
         <a:spcBef>
-          <a:spcPts val="1000"/>
+          <a:spcPts val="342"/>
         </a:spcBef>
         <a:buFont typeface="Arial" panose="020B0604020202020204" pitchFamily="34" charset="0"/>
         <a:buChar char="•"/>
-        <a:defRPr kumimoji="1" sz="2800" kern="1200">
+        <a:defRPr kumimoji="1" sz="957" kern="1200">
           <a:solidFill>
             <a:schemeClr val="tx1"/>
           </a:solidFill>
@@ -3353,16 +2999,16 @@
           <a:cs typeface="+mn-cs"/>
         </a:defRPr>
       </a:lvl1pPr>
-      <a:lvl2pPr marL="685800" indent="-228600" algn="l" defTabSz="914400" rtl="0" eaLnBrk="1" latinLnBrk="0" hangingPunct="1">
+      <a:lvl2pPr marL="234338" indent="-78113" algn="l" defTabSz="312450" rtl="0" eaLnBrk="1" latinLnBrk="0" hangingPunct="1">
         <a:lnSpc>
           <a:spcPct val="90000"/>
         </a:lnSpc>
         <a:spcBef>
-          <a:spcPts val="500"/>
+          <a:spcPts val="171"/>
         </a:spcBef>
         <a:buFont typeface="Arial" panose="020B0604020202020204" pitchFamily="34" charset="0"/>
         <a:buChar char="•"/>
-        <a:defRPr kumimoji="1" sz="2400" kern="1200">
+        <a:defRPr kumimoji="1" sz="820" kern="1200">
           <a:solidFill>
             <a:schemeClr val="tx1"/>
           </a:solidFill>
@@ -3371,16 +3017,16 @@
           <a:cs typeface="+mn-cs"/>
         </a:defRPr>
       </a:lvl2pPr>
-      <a:lvl3pPr marL="1143000" indent="-228600" algn="l" defTabSz="914400" rtl="0" eaLnBrk="1" latinLnBrk="0" hangingPunct="1">
+      <a:lvl3pPr marL="390563" indent="-78113" algn="l" defTabSz="312450" rtl="0" eaLnBrk="1" latinLnBrk="0" hangingPunct="1">
         <a:lnSpc>
           <a:spcPct val="90000"/>
         </a:lnSpc>
         <a:spcBef>
-          <a:spcPts val="500"/>
+          <a:spcPts val="171"/>
         </a:spcBef>
         <a:buFont typeface="Arial" panose="020B0604020202020204" pitchFamily="34" charset="0"/>
         <a:buChar char="•"/>
-        <a:defRPr kumimoji="1" sz="2000" kern="1200">
+        <a:defRPr kumimoji="1" sz="683" kern="1200">
           <a:solidFill>
             <a:schemeClr val="tx1"/>
           </a:solidFill>
@@ -3389,16 +3035,16 @@
           <a:cs typeface="+mn-cs"/>
         </a:defRPr>
       </a:lvl3pPr>
-      <a:lvl4pPr marL="1600200" indent="-228600" algn="l" defTabSz="914400" rtl="0" eaLnBrk="1" latinLnBrk="0" hangingPunct="1">
+      <a:lvl4pPr marL="546788" indent="-78113" algn="l" defTabSz="312450" rtl="0" eaLnBrk="1" latinLnBrk="0" hangingPunct="1">
         <a:lnSpc>
           <a:spcPct val="90000"/>
         </a:lnSpc>
         <a:spcBef>
-          <a:spcPts val="500"/>
+          <a:spcPts val="171"/>
         </a:spcBef>
         <a:buFont typeface="Arial" panose="020B0604020202020204" pitchFamily="34" charset="0"/>
         <a:buChar char="•"/>
-        <a:defRPr kumimoji="1" sz="1800" kern="1200">
+        <a:defRPr kumimoji="1" sz="615" kern="1200">
           <a:solidFill>
             <a:schemeClr val="tx1"/>
           </a:solidFill>
@@ -3407,16 +3053,16 @@
           <a:cs typeface="+mn-cs"/>
         </a:defRPr>
       </a:lvl4pPr>
-      <a:lvl5pPr marL="2057400" indent="-228600" algn="l" defTabSz="914400" rtl="0" eaLnBrk="1" latinLnBrk="0" hangingPunct="1">
+      <a:lvl5pPr marL="703014" indent="-78113" algn="l" defTabSz="312450" rtl="0" eaLnBrk="1" latinLnBrk="0" hangingPunct="1">
         <a:lnSpc>
           <a:spcPct val="90000"/>
         </a:lnSpc>
         <a:spcBef>
-          <a:spcPts val="500"/>
+          <a:spcPts val="171"/>
         </a:spcBef>
         <a:buFont typeface="Arial" panose="020B0604020202020204" pitchFamily="34" charset="0"/>
         <a:buChar char="•"/>
-        <a:defRPr kumimoji="1" sz="1800" kern="1200">
+        <a:defRPr kumimoji="1" sz="615" kern="1200">
           <a:solidFill>
             <a:schemeClr val="tx1"/>
           </a:solidFill>
@@ -3425,16 +3071,16 @@
           <a:cs typeface="+mn-cs"/>
         </a:defRPr>
       </a:lvl5pPr>
-      <a:lvl6pPr marL="2514600" indent="-228600" algn="l" defTabSz="914400" rtl="0" eaLnBrk="1" latinLnBrk="0" hangingPunct="1">
+      <a:lvl6pPr marL="859239" indent="-78113" algn="l" defTabSz="312450" rtl="0" eaLnBrk="1" latinLnBrk="0" hangingPunct="1">
         <a:lnSpc>
           <a:spcPct val="90000"/>
         </a:lnSpc>
         <a:spcBef>
-          <a:spcPts val="500"/>
+          <a:spcPts val="171"/>
         </a:spcBef>
         <a:buFont typeface="Arial" panose="020B0604020202020204" pitchFamily="34" charset="0"/>
         <a:buChar char="•"/>
-        <a:defRPr kumimoji="1" sz="1800" kern="1200">
+        <a:defRPr kumimoji="1" sz="615" kern="1200">
           <a:solidFill>
             <a:schemeClr val="tx1"/>
           </a:solidFill>
@@ -3443,16 +3089,16 @@
           <a:cs typeface="+mn-cs"/>
         </a:defRPr>
       </a:lvl6pPr>
-      <a:lvl7pPr marL="2971800" indent="-228600" algn="l" defTabSz="914400" rtl="0" eaLnBrk="1" latinLnBrk="0" hangingPunct="1">
+      <a:lvl7pPr marL="1015464" indent="-78113" algn="l" defTabSz="312450" rtl="0" eaLnBrk="1" latinLnBrk="0" hangingPunct="1">
         <a:lnSpc>
           <a:spcPct val="90000"/>
         </a:lnSpc>
         <a:spcBef>
-          <a:spcPts val="500"/>
+          <a:spcPts val="171"/>
         </a:spcBef>
         <a:buFont typeface="Arial" panose="020B0604020202020204" pitchFamily="34" charset="0"/>
         <a:buChar char="•"/>
-        <a:defRPr kumimoji="1" sz="1800" kern="1200">
+        <a:defRPr kumimoji="1" sz="615" kern="1200">
           <a:solidFill>
             <a:schemeClr val="tx1"/>
           </a:solidFill>
@@ -3461,16 +3107,16 @@
           <a:cs typeface="+mn-cs"/>
         </a:defRPr>
       </a:lvl7pPr>
-      <a:lvl8pPr marL="3429000" indent="-228600" algn="l" defTabSz="914400" rtl="0" eaLnBrk="1" latinLnBrk="0" hangingPunct="1">
+      <a:lvl8pPr marL="1171689" indent="-78113" algn="l" defTabSz="312450" rtl="0" eaLnBrk="1" latinLnBrk="0" hangingPunct="1">
         <a:lnSpc>
           <a:spcPct val="90000"/>
         </a:lnSpc>
         <a:spcBef>
-          <a:spcPts val="500"/>
+          <a:spcPts val="171"/>
         </a:spcBef>
         <a:buFont typeface="Arial" panose="020B0604020202020204" pitchFamily="34" charset="0"/>
         <a:buChar char="•"/>
-        <a:defRPr kumimoji="1" sz="1800" kern="1200">
+        <a:defRPr kumimoji="1" sz="615" kern="1200">
           <a:solidFill>
             <a:schemeClr val="tx1"/>
           </a:solidFill>
@@ -3479,16 +3125,16 @@
           <a:cs typeface="+mn-cs"/>
         </a:defRPr>
       </a:lvl8pPr>
-      <a:lvl9pPr marL="3886200" indent="-228600" algn="l" defTabSz="914400" rtl="0" eaLnBrk="1" latinLnBrk="0" hangingPunct="1">
+      <a:lvl9pPr marL="1327915" indent="-78113" algn="l" defTabSz="312450" rtl="0" eaLnBrk="1" latinLnBrk="0" hangingPunct="1">
         <a:lnSpc>
           <a:spcPct val="90000"/>
         </a:lnSpc>
         <a:spcBef>
-          <a:spcPts val="500"/>
+          <a:spcPts val="171"/>
         </a:spcBef>
         <a:buFont typeface="Arial" panose="020B0604020202020204" pitchFamily="34" charset="0"/>
         <a:buChar char="•"/>
-        <a:defRPr kumimoji="1" sz="1800" kern="1200">
+        <a:defRPr kumimoji="1" sz="615" kern="1200">
           <a:solidFill>
             <a:schemeClr val="tx1"/>
           </a:solidFill>
@@ -3500,10 +3146,10 @@
     </p:bodyStyle>
     <p:otherStyle>
       <a:defPPr>
-        <a:defRPr lang="ja-JP"/>
+        <a:defRPr lang="en-US"/>
       </a:defPPr>
-      <a:lvl1pPr marL="0" algn="l" defTabSz="914400" rtl="0" eaLnBrk="1" latinLnBrk="0" hangingPunct="1">
-        <a:defRPr kumimoji="1" sz="1800" kern="1200">
+      <a:lvl1pPr marL="0" algn="l" defTabSz="312450" rtl="0" eaLnBrk="1" latinLnBrk="0" hangingPunct="1">
+        <a:defRPr kumimoji="1" sz="615" kern="1200">
           <a:solidFill>
             <a:schemeClr val="tx1"/>
           </a:solidFill>
@@ -3512,8 +3158,8 @@
           <a:cs typeface="+mn-cs"/>
         </a:defRPr>
       </a:lvl1pPr>
-      <a:lvl2pPr marL="457200" algn="l" defTabSz="914400" rtl="0" eaLnBrk="1" latinLnBrk="0" hangingPunct="1">
-        <a:defRPr kumimoji="1" sz="1800" kern="1200">
+      <a:lvl2pPr marL="156225" algn="l" defTabSz="312450" rtl="0" eaLnBrk="1" latinLnBrk="0" hangingPunct="1">
+        <a:defRPr kumimoji="1" sz="615" kern="1200">
           <a:solidFill>
             <a:schemeClr val="tx1"/>
           </a:solidFill>
@@ -3522,8 +3168,8 @@
           <a:cs typeface="+mn-cs"/>
         </a:defRPr>
       </a:lvl2pPr>
-      <a:lvl3pPr marL="914400" algn="l" defTabSz="914400" rtl="0" eaLnBrk="1" latinLnBrk="0" hangingPunct="1">
-        <a:defRPr kumimoji="1" sz="1800" kern="1200">
+      <a:lvl3pPr marL="312450" algn="l" defTabSz="312450" rtl="0" eaLnBrk="1" latinLnBrk="0" hangingPunct="1">
+        <a:defRPr kumimoji="1" sz="615" kern="1200">
           <a:solidFill>
             <a:schemeClr val="tx1"/>
           </a:solidFill>
@@ -3532,8 +3178,8 @@
           <a:cs typeface="+mn-cs"/>
         </a:defRPr>
       </a:lvl3pPr>
-      <a:lvl4pPr marL="1371600" algn="l" defTabSz="914400" rtl="0" eaLnBrk="1" latinLnBrk="0" hangingPunct="1">
-        <a:defRPr kumimoji="1" sz="1800" kern="1200">
+      <a:lvl4pPr marL="468676" algn="l" defTabSz="312450" rtl="0" eaLnBrk="1" latinLnBrk="0" hangingPunct="1">
+        <a:defRPr kumimoji="1" sz="615" kern="1200">
           <a:solidFill>
             <a:schemeClr val="tx1"/>
           </a:solidFill>
@@ -3542,8 +3188,8 @@
           <a:cs typeface="+mn-cs"/>
         </a:defRPr>
       </a:lvl4pPr>
-      <a:lvl5pPr marL="1828800" algn="l" defTabSz="914400" rtl="0" eaLnBrk="1" latinLnBrk="0" hangingPunct="1">
-        <a:defRPr kumimoji="1" sz="1800" kern="1200">
+      <a:lvl5pPr marL="624901" algn="l" defTabSz="312450" rtl="0" eaLnBrk="1" latinLnBrk="0" hangingPunct="1">
+        <a:defRPr kumimoji="1" sz="615" kern="1200">
           <a:solidFill>
             <a:schemeClr val="tx1"/>
           </a:solidFill>
@@ -3552,8 +3198,8 @@
           <a:cs typeface="+mn-cs"/>
         </a:defRPr>
       </a:lvl5pPr>
-      <a:lvl6pPr marL="2286000" algn="l" defTabSz="914400" rtl="0" eaLnBrk="1" latinLnBrk="0" hangingPunct="1">
-        <a:defRPr kumimoji="1" sz="1800" kern="1200">
+      <a:lvl6pPr marL="781126" algn="l" defTabSz="312450" rtl="0" eaLnBrk="1" latinLnBrk="0" hangingPunct="1">
+        <a:defRPr kumimoji="1" sz="615" kern="1200">
           <a:solidFill>
             <a:schemeClr val="tx1"/>
           </a:solidFill>
@@ -3562,8 +3208,8 @@
           <a:cs typeface="+mn-cs"/>
         </a:defRPr>
       </a:lvl6pPr>
-      <a:lvl7pPr marL="2743200" algn="l" defTabSz="914400" rtl="0" eaLnBrk="1" latinLnBrk="0" hangingPunct="1">
-        <a:defRPr kumimoji="1" sz="1800" kern="1200">
+      <a:lvl7pPr marL="937351" algn="l" defTabSz="312450" rtl="0" eaLnBrk="1" latinLnBrk="0" hangingPunct="1">
+        <a:defRPr kumimoji="1" sz="615" kern="1200">
           <a:solidFill>
             <a:schemeClr val="tx1"/>
           </a:solidFill>
@@ -3572,8 +3218,8 @@
           <a:cs typeface="+mn-cs"/>
         </a:defRPr>
       </a:lvl7pPr>
-      <a:lvl8pPr marL="3200400" algn="l" defTabSz="914400" rtl="0" eaLnBrk="1" latinLnBrk="0" hangingPunct="1">
-        <a:defRPr kumimoji="1" sz="1800" kern="1200">
+      <a:lvl8pPr marL="1093577" algn="l" defTabSz="312450" rtl="0" eaLnBrk="1" latinLnBrk="0" hangingPunct="1">
+        <a:defRPr kumimoji="1" sz="615" kern="1200">
           <a:solidFill>
             <a:schemeClr val="tx1"/>
           </a:solidFill>
@@ -3582,8 +3228,8 @@
           <a:cs typeface="+mn-cs"/>
         </a:defRPr>
       </a:lvl8pPr>
-      <a:lvl9pPr marL="3657600" algn="l" defTabSz="914400" rtl="0" eaLnBrk="1" latinLnBrk="0" hangingPunct="1">
-        <a:defRPr kumimoji="1" sz="1800" kern="1200">
+      <a:lvl9pPr marL="1249802" algn="l" defTabSz="312450" rtl="0" eaLnBrk="1" latinLnBrk="0" hangingPunct="1">
+        <a:defRPr kumimoji="1" sz="615" kern="1200">
           <a:solidFill>
             <a:schemeClr val="tx1"/>
           </a:solidFill>
@@ -3614,142 +3260,122 @@
           <a:chExt cx="0" cy="0"/>
         </a:xfrm>
       </p:grpSpPr>
-      <p:grpSp>
-        <p:nvGrpSpPr>
-          <p:cNvPr id="9" name="グループ化 8">
+      <p:sp>
+        <p:nvSpPr>
+          <p:cNvPr id="2" name="正方形/長方形 1">
             <a:extLst>
               <a:ext uri="{FF2B5EF4-FFF2-40B4-BE49-F238E27FC236}">
-                <a16:creationId xmlns:a16="http://schemas.microsoft.com/office/drawing/2014/main" id="{8B2A4FB3-BEC3-4BB2-8D7F-81BFC14518EF}"/>
+                <a16:creationId xmlns:a16="http://schemas.microsoft.com/office/drawing/2014/main" id="{F4DDE636-DCFF-48C1-9CFC-7614ED9A9305}"/>
               </a:ext>
             </a:extLst>
           </p:cNvPr>
-          <p:cNvGrpSpPr/>
+          <p:cNvSpPr/>
           <p:nvPr/>
-        </p:nvGrpSpPr>
-        <p:grpSpPr>
+        </p:nvSpPr>
+        <p:spPr>
           <a:xfrm>
-            <a:off x="4952998" y="2286001"/>
-            <a:ext cx="2286002" cy="2285998"/>
-            <a:chOff x="5417254" y="2750255"/>
-            <a:chExt cx="1357490" cy="1357489"/>
+            <a:off x="1219200" y="0"/>
+            <a:ext cx="685800" cy="3124200"/>
           </a:xfrm>
-        </p:grpSpPr>
-        <p:sp>
-          <p:nvSpPr>
-            <p:cNvPr id="8" name="正方形/長方形 7">
-              <a:extLst>
-                <a:ext uri="{FF2B5EF4-FFF2-40B4-BE49-F238E27FC236}">
-                  <a16:creationId xmlns:a16="http://schemas.microsoft.com/office/drawing/2014/main" id="{A0571C3E-1EC5-41E4-A47A-3659DDB9BD64}"/>
-                </a:ext>
-              </a:extLst>
-            </p:cNvPr>
-            <p:cNvSpPr/>
-            <p:nvPr/>
-          </p:nvSpPr>
-          <p:spPr>
-            <a:xfrm>
-              <a:off x="5417254" y="2750255"/>
-              <a:ext cx="1357489" cy="1357489"/>
-            </a:xfrm>
-            <a:prstGeom prst="rect">
-              <a:avLst/>
-            </a:prstGeom>
+          <a:prstGeom prst="rect">
+            <a:avLst/>
+          </a:prstGeom>
+          <a:noFill/>
+          <a:ln>
             <a:noFill/>
-            <a:ln>
-              <a:noFill/>
-            </a:ln>
-          </p:spPr>
-          <p:style>
-            <a:lnRef idx="2">
-              <a:schemeClr val="accent1">
-                <a:shade val="50000"/>
-              </a:schemeClr>
-            </a:lnRef>
-            <a:fillRef idx="1">
-              <a:schemeClr val="accent1"/>
-            </a:fillRef>
-            <a:effectRef idx="0">
-              <a:schemeClr val="accent1"/>
-            </a:effectRef>
-            <a:fontRef idx="minor">
-              <a:schemeClr val="lt1"/>
-            </a:fontRef>
-          </p:style>
-          <p:txBody>
-            <a:bodyPr rtlCol="0" anchor="ctr"/>
-            <a:lstStyle/>
-            <a:p>
-              <a:pPr algn="ctr"/>
-              <a:endParaRPr kumimoji="1" lang="ja-JP" altLang="en-US" sz="2400"/>
-            </a:p>
-          </p:txBody>
-        </p:sp>
-        <p:sp>
-          <p:nvSpPr>
-            <p:cNvPr id="7" name="四角形: 角を丸くする 6">
-              <a:extLst>
-                <a:ext uri="{FF2B5EF4-FFF2-40B4-BE49-F238E27FC236}">
-                  <a16:creationId xmlns:a16="http://schemas.microsoft.com/office/drawing/2014/main" id="{F920BAC9-8E62-4CE7-950F-F3CD0D0BB9D4}"/>
-                </a:ext>
-              </a:extLst>
-            </p:cNvPr>
-            <p:cNvSpPr/>
-            <p:nvPr/>
-          </p:nvSpPr>
-          <p:spPr>
-            <a:xfrm>
-              <a:off x="5417255" y="2942568"/>
-              <a:ext cx="1357489" cy="972866"/>
-            </a:xfrm>
-            <a:prstGeom prst="roundRect">
-              <a:avLst>
-                <a:gd name="adj" fmla="val 50000"/>
-              </a:avLst>
-            </a:prstGeom>
-            <a:solidFill>
-              <a:srgbClr val="2196F3"/>
-            </a:solidFill>
-            <a:ln>
-              <a:noFill/>
-            </a:ln>
-          </p:spPr>
-          <p:style>
-            <a:lnRef idx="2">
-              <a:schemeClr val="accent1">
-                <a:shade val="50000"/>
-              </a:schemeClr>
-            </a:lnRef>
-            <a:fillRef idx="1">
-              <a:schemeClr val="accent1"/>
-            </a:fillRef>
-            <a:effectRef idx="0">
-              <a:schemeClr val="accent1"/>
-            </a:effectRef>
-            <a:fontRef idx="minor">
-              <a:schemeClr val="lt1"/>
-            </a:fontRef>
-          </p:style>
-          <p:txBody>
-            <a:bodyPr rtlCol="0" anchor="ctr"/>
-            <a:lstStyle/>
-            <a:p>
-              <a:pPr algn="ctr"/>
-              <a:r>
-                <a:rPr kumimoji="1" lang="en-US" altLang="ja-JP" sz="8000" b="1" dirty="0" err="1">
-                  <a:latin typeface="Segoe UI Black" panose="020B0A02040204020203" pitchFamily="34" charset="0"/>
-                  <a:ea typeface="Segoe UI Black" panose="020B0A02040204020203" pitchFamily="34" charset="0"/>
-                  <a:cs typeface="Segoe UI Semibold" panose="020B0702040204020203" pitchFamily="34" charset="0"/>
-                </a:rPr>
-                <a:t>Nx</a:t>
-              </a:r>
-              <a:endParaRPr kumimoji="1" lang="ja-JP" altLang="en-US" sz="8000" b="1" dirty="0">
-                <a:latin typeface="Segoe UI Black" panose="020B0A02040204020203" pitchFamily="34" charset="0"/>
-                <a:cs typeface="Segoe UI Semibold" panose="020B0702040204020203" pitchFamily="34" charset="0"/>
-              </a:endParaRPr>
-            </a:p>
-          </p:txBody>
-        </p:sp>
-      </p:grpSp>
+          </a:ln>
+        </p:spPr>
+        <p:style>
+          <a:lnRef idx="2">
+            <a:schemeClr val="accent1">
+              <a:shade val="50000"/>
+            </a:schemeClr>
+          </a:lnRef>
+          <a:fillRef idx="1">
+            <a:schemeClr val="accent1"/>
+          </a:fillRef>
+          <a:effectRef idx="0">
+            <a:schemeClr val="accent1"/>
+          </a:effectRef>
+          <a:fontRef idx="minor">
+            <a:schemeClr val="lt1"/>
+          </a:fontRef>
+        </p:style>
+        <p:txBody>
+          <a:bodyPr rtlCol="0" anchor="ctr"/>
+          <a:lstStyle/>
+          <a:p>
+            <a:pPr algn="ctr"/>
+            <a:endParaRPr kumimoji="1" lang="ja-JP" altLang="en-US"/>
+          </a:p>
+        </p:txBody>
+      </p:sp>
+      <p:sp>
+        <p:nvSpPr>
+          <p:cNvPr id="7" name="四角形: 角を丸くする 6">
+            <a:extLst>
+              <a:ext uri="{FF2B5EF4-FFF2-40B4-BE49-F238E27FC236}">
+                <a16:creationId xmlns:a16="http://schemas.microsoft.com/office/drawing/2014/main" id="{F920BAC9-8E62-4CE7-950F-F3CD0D0BB9D4}"/>
+              </a:ext>
+            </a:extLst>
+          </p:cNvPr>
+          <p:cNvSpPr/>
+          <p:nvPr/>
+        </p:nvSpPr>
+        <p:spPr>
+          <a:xfrm>
+            <a:off x="0" y="442599"/>
+            <a:ext cx="3124200" cy="2239004"/>
+          </a:xfrm>
+          <a:prstGeom prst="roundRect">
+            <a:avLst>
+              <a:gd name="adj" fmla="val 50000"/>
+            </a:avLst>
+          </a:prstGeom>
+          <a:solidFill>
+            <a:srgbClr val="616161"/>
+          </a:solidFill>
+          <a:ln>
+            <a:noFill/>
+          </a:ln>
+        </p:spPr>
+        <p:style>
+          <a:lnRef idx="2">
+            <a:schemeClr val="accent1">
+              <a:shade val="50000"/>
+            </a:schemeClr>
+          </a:lnRef>
+          <a:fillRef idx="1">
+            <a:schemeClr val="accent1"/>
+          </a:fillRef>
+          <a:effectRef idx="0">
+            <a:schemeClr val="accent1"/>
+          </a:effectRef>
+          <a:fontRef idx="minor">
+            <a:schemeClr val="lt1"/>
+          </a:fontRef>
+        </p:style>
+        <p:txBody>
+          <a:bodyPr rtlCol="0" anchor="ctr"/>
+          <a:lstStyle/>
+          <a:p>
+            <a:pPr algn="ctr"/>
+            <a:r>
+              <a:rPr lang="en-US" altLang="ja-JP" sz="9600" b="1" dirty="0" err="1">
+                <a:latin typeface="Segoe UI" panose="020B0502040204020203" pitchFamily="34" charset="0"/>
+                <a:ea typeface="Yu Gothic UI" panose="020B0500000000000000" pitchFamily="50" charset="-128"/>
+                <a:cs typeface="Segoe UI" panose="020B0502040204020203" pitchFamily="34" charset="0"/>
+              </a:rPr>
+              <a:t>Nx</a:t>
+            </a:r>
+            <a:endParaRPr lang="ja-JP" altLang="en-US" sz="9600" b="1" dirty="0">
+              <a:latin typeface="Segoe UI" panose="020B0502040204020203" pitchFamily="34" charset="0"/>
+              <a:ea typeface="Yu Gothic UI" panose="020B0500000000000000" pitchFamily="50" charset="-128"/>
+              <a:cs typeface="Segoe UI" panose="020B0502040204020203" pitchFamily="34" charset="0"/>
+            </a:endParaRPr>
+          </a:p>
+        </p:txBody>
+      </p:sp>
     </p:spTree>
     <p:extLst>
       <p:ext uri="{BB962C8B-B14F-4D97-AF65-F5344CB8AC3E}">
@@ -3763,10 +3389,239 @@
 </p:sld>
 </file>
 
+<file path=ppt/slides/slide2.xml><?xml version="1.0" encoding="utf-8"?>
+<p:sld xmlns:a="http://schemas.openxmlformats.org/drawingml/2006/main" xmlns:r="http://schemas.openxmlformats.org/officeDocument/2006/relationships" xmlns:p="http://schemas.openxmlformats.org/presentationml/2006/main">
+  <p:cSld>
+    <p:spTree>
+      <p:nvGrpSpPr>
+        <p:cNvPr id="1" name=""/>
+        <p:cNvGrpSpPr/>
+        <p:nvPr/>
+      </p:nvGrpSpPr>
+      <p:grpSpPr>
+        <a:xfrm>
+          <a:off x="0" y="0"/>
+          <a:ext cx="0" cy="0"/>
+          <a:chOff x="0" y="0"/>
+          <a:chExt cx="0" cy="0"/>
+        </a:xfrm>
+      </p:grpSpPr>
+      <p:sp>
+        <p:nvSpPr>
+          <p:cNvPr id="2" name="正方形/長方形 1">
+            <a:extLst>
+              <a:ext uri="{FF2B5EF4-FFF2-40B4-BE49-F238E27FC236}">
+                <a16:creationId xmlns:a16="http://schemas.microsoft.com/office/drawing/2014/main" id="{F4DDE636-DCFF-48C1-9CFC-7614ED9A9305}"/>
+              </a:ext>
+            </a:extLst>
+          </p:cNvPr>
+          <p:cNvSpPr/>
+          <p:nvPr/>
+        </p:nvSpPr>
+        <p:spPr>
+          <a:xfrm>
+            <a:off x="1219200" y="0"/>
+            <a:ext cx="685800" cy="3124200"/>
+          </a:xfrm>
+          <a:prstGeom prst="rect">
+            <a:avLst/>
+          </a:prstGeom>
+          <a:noFill/>
+          <a:ln>
+            <a:noFill/>
+          </a:ln>
+        </p:spPr>
+        <p:style>
+          <a:lnRef idx="2">
+            <a:schemeClr val="accent1">
+              <a:shade val="50000"/>
+            </a:schemeClr>
+          </a:lnRef>
+          <a:fillRef idx="1">
+            <a:schemeClr val="accent1"/>
+          </a:fillRef>
+          <a:effectRef idx="0">
+            <a:schemeClr val="accent1"/>
+          </a:effectRef>
+          <a:fontRef idx="minor">
+            <a:schemeClr val="lt1"/>
+          </a:fontRef>
+        </p:style>
+        <p:txBody>
+          <a:bodyPr rtlCol="0" anchor="ctr"/>
+          <a:lstStyle/>
+          <a:p>
+            <a:pPr algn="ctr"/>
+            <a:endParaRPr kumimoji="1" lang="ja-JP" altLang="en-US"/>
+          </a:p>
+        </p:txBody>
+      </p:sp>
+      <p:sp>
+        <p:nvSpPr>
+          <p:cNvPr id="7" name="四角形: 角を丸くする 6">
+            <a:extLst>
+              <a:ext uri="{FF2B5EF4-FFF2-40B4-BE49-F238E27FC236}">
+                <a16:creationId xmlns:a16="http://schemas.microsoft.com/office/drawing/2014/main" id="{F920BAC9-8E62-4CE7-950F-F3CD0D0BB9D4}"/>
+              </a:ext>
+            </a:extLst>
+          </p:cNvPr>
+          <p:cNvSpPr/>
+          <p:nvPr/>
+        </p:nvSpPr>
+        <p:spPr>
+          <a:xfrm>
+            <a:off x="0" y="442599"/>
+            <a:ext cx="3124200" cy="2239004"/>
+          </a:xfrm>
+          <a:prstGeom prst="roundRect">
+            <a:avLst>
+              <a:gd name="adj" fmla="val 50000"/>
+            </a:avLst>
+          </a:prstGeom>
+          <a:solidFill>
+            <a:srgbClr val="616161"/>
+          </a:solidFill>
+          <a:ln>
+            <a:noFill/>
+          </a:ln>
+        </p:spPr>
+        <p:style>
+          <a:lnRef idx="2">
+            <a:schemeClr val="accent1">
+              <a:shade val="50000"/>
+            </a:schemeClr>
+          </a:lnRef>
+          <a:fillRef idx="1">
+            <a:schemeClr val="accent1"/>
+          </a:fillRef>
+          <a:effectRef idx="0">
+            <a:schemeClr val="accent1"/>
+          </a:effectRef>
+          <a:fontRef idx="minor">
+            <a:schemeClr val="lt1"/>
+          </a:fontRef>
+        </p:style>
+        <p:txBody>
+          <a:bodyPr rtlCol="0" anchor="ctr"/>
+          <a:lstStyle/>
+          <a:p>
+            <a:pPr algn="ctr"/>
+            <a:endParaRPr lang="ja-JP" altLang="en-US" sz="9600" b="1" dirty="0">
+              <a:latin typeface="Segoe UI" panose="020B0502040204020203" pitchFamily="34" charset="0"/>
+              <a:ea typeface="Yu Gothic UI" panose="020B0500000000000000" pitchFamily="50" charset="-128"/>
+              <a:cs typeface="Segoe UI" panose="020B0502040204020203" pitchFamily="34" charset="0"/>
+            </a:endParaRPr>
+          </a:p>
+        </p:txBody>
+      </p:sp>
+      <p:sp>
+        <p:nvSpPr>
+          <p:cNvPr id="4" name="正方形/長方形 3">
+            <a:extLst>
+              <a:ext uri="{FF2B5EF4-FFF2-40B4-BE49-F238E27FC236}">
+                <a16:creationId xmlns:a16="http://schemas.microsoft.com/office/drawing/2014/main" id="{92AC3158-8762-4E78-898F-07410A361745}"/>
+              </a:ext>
+            </a:extLst>
+          </p:cNvPr>
+          <p:cNvSpPr/>
+          <p:nvPr/>
+        </p:nvSpPr>
+        <p:spPr>
+          <a:xfrm>
+            <a:off x="-203200" y="-2460303"/>
+            <a:ext cx="3530600" cy="2239004"/>
+          </a:xfrm>
+          <a:prstGeom prst="rect">
+            <a:avLst/>
+          </a:prstGeom>
+          <a:noFill/>
+          <a:ln>
+            <a:noFill/>
+          </a:ln>
+        </p:spPr>
+        <p:style>
+          <a:lnRef idx="2">
+            <a:schemeClr val="accent1">
+              <a:shade val="50000"/>
+            </a:schemeClr>
+          </a:lnRef>
+          <a:fillRef idx="1">
+            <a:schemeClr val="accent1"/>
+          </a:fillRef>
+          <a:effectRef idx="0">
+            <a:schemeClr val="accent1"/>
+          </a:effectRef>
+          <a:fontRef idx="minor">
+            <a:schemeClr val="lt1"/>
+          </a:fontRef>
+        </p:style>
+        <p:txBody>
+          <a:bodyPr rtlCol="0" anchor="ctr"/>
+          <a:lstStyle/>
+          <a:p>
+            <a:pPr algn="ctr"/>
+            <a:r>
+              <a:rPr lang="en-US" altLang="ja-JP" sz="13800" b="1" dirty="0" err="1">
+                <a:latin typeface="Segoe UI" panose="020B0502040204020203" pitchFamily="34" charset="0"/>
+                <a:ea typeface="Yu Gothic UI" panose="020B0500000000000000" pitchFamily="50" charset="-128"/>
+                <a:cs typeface="Segoe UI" panose="020B0502040204020203" pitchFamily="34" charset="0"/>
+              </a:rPr>
+              <a:t>Nx</a:t>
+            </a:r>
+            <a:endParaRPr lang="ja-JP" altLang="en-US" sz="13800" b="1" dirty="0">
+              <a:latin typeface="Segoe UI" panose="020B0502040204020203" pitchFamily="34" charset="0"/>
+              <a:ea typeface="Yu Gothic UI" panose="020B0500000000000000" pitchFamily="50" charset="-128"/>
+              <a:cs typeface="Segoe UI" panose="020B0502040204020203" pitchFamily="34" charset="0"/>
+            </a:endParaRPr>
+          </a:p>
+        </p:txBody>
+      </p:sp>
+      <p:pic>
+        <p:nvPicPr>
+          <p:cNvPr id="3" name="図 2">
+            <a:extLst>
+              <a:ext uri="{FF2B5EF4-FFF2-40B4-BE49-F238E27FC236}">
+                <a16:creationId xmlns:a16="http://schemas.microsoft.com/office/drawing/2014/main" id="{351CD7A1-C28B-4B45-8F5C-CFAB7D2D47C7}"/>
+              </a:ext>
+            </a:extLst>
+          </p:cNvPr>
+          <p:cNvPicPr>
+            <a:picLocks noChangeAspect="1"/>
+          </p:cNvPicPr>
+          <p:nvPr/>
+        </p:nvPicPr>
+        <p:blipFill rotWithShape="1">
+          <a:blip r:embed="rId2"/>
+          <a:srcRect l="25517" t="24453" r="22414" b="38166"/>
+          <a:stretch/>
+        </p:blipFill>
+        <p:spPr>
+          <a:xfrm>
+            <a:off x="617220" y="927117"/>
+            <a:ext cx="2026920" cy="1201386"/>
+          </a:xfrm>
+          <a:prstGeom prst="rect">
+            <a:avLst/>
+          </a:prstGeom>
+        </p:spPr>
+      </p:pic>
+    </p:spTree>
+    <p:extLst>
+      <p:ext uri="{BB962C8B-B14F-4D97-AF65-F5344CB8AC3E}">
+        <p14:creationId xmlns:p14="http://schemas.microsoft.com/office/powerpoint/2010/main" val="3229869664"/>
+      </p:ext>
+    </p:extLst>
+  </p:cSld>
+  <p:clrMapOvr>
+    <a:masterClrMapping/>
+  </p:clrMapOvr>
+</p:sld>
+</file>
+
 <file path=ppt/theme/theme1.xml><?xml version="1.0" encoding="utf-8"?>
 <a:theme xmlns:a="http://schemas.openxmlformats.org/drawingml/2006/main" name="Office テーマ">
   <a:themeElements>
-    <a:clrScheme name="Office">
+    <a:clrScheme name="Office テーマ">
       <a:dk1>
         <a:sysClr val="windowText" lastClr="000000"/>
       </a:dk1>
@@ -3804,9 +3659,9 @@
         <a:srgbClr val="954F72"/>
       </a:folHlink>
     </a:clrScheme>
-    <a:fontScheme name="Office">
+    <a:fontScheme name="Office テーマ">
       <a:majorFont>
-        <a:latin typeface="游ゴシック Light" panose="020F0302020204030204"/>
+        <a:latin typeface="Calibri Light" panose="020F0302020204030204"/>
         <a:ea typeface=""/>
         <a:cs typeface=""/>
         <a:font script="Jpan" typeface="游ゴシック Light"/>
@@ -3839,26 +3694,9 @@
         <a:font script="Viet" typeface="Times New Roman"/>
         <a:font script="Uigh" typeface="Microsoft Uighur"/>
         <a:font script="Geor" typeface="Sylfaen"/>
-        <a:font script="Armn" typeface="Arial"/>
-        <a:font script="Bugi" typeface="Leelawadee UI"/>
-        <a:font script="Bopo" typeface="Microsoft JhengHei"/>
-        <a:font script="Java" typeface="Javanese Text"/>
-        <a:font script="Lisu" typeface="Segoe UI"/>
-        <a:font script="Mymr" typeface="Myanmar Text"/>
-        <a:font script="Nkoo" typeface="Ebrima"/>
-        <a:font script="Olck" typeface="Nirmala UI"/>
-        <a:font script="Osma" typeface="Ebrima"/>
-        <a:font script="Phag" typeface="Phagspa"/>
-        <a:font script="Syrn" typeface="Estrangelo Edessa"/>
-        <a:font script="Syrj" typeface="Estrangelo Edessa"/>
-        <a:font script="Syre" typeface="Estrangelo Edessa"/>
-        <a:font script="Sora" typeface="Nirmala UI"/>
-        <a:font script="Tale" typeface="Microsoft Tai Le"/>
-        <a:font script="Talu" typeface="Microsoft New Tai Lue"/>
-        <a:font script="Tfng" typeface="Ebrima"/>
       </a:majorFont>
       <a:minorFont>
-        <a:latin typeface="游ゴシック" panose="020F0502020204030204"/>
+        <a:latin typeface="Calibri" panose="020F0502020204030204"/>
         <a:ea typeface=""/>
         <a:cs typeface=""/>
         <a:font script="Jpan" typeface="游ゴシック"/>
@@ -3891,26 +3729,9 @@
         <a:font script="Viet" typeface="Arial"/>
         <a:font script="Uigh" typeface="Microsoft Uighur"/>
         <a:font script="Geor" typeface="Sylfaen"/>
-        <a:font script="Armn" typeface="Arial"/>
-        <a:font script="Bugi" typeface="Leelawadee UI"/>
-        <a:font script="Bopo" typeface="Microsoft JhengHei"/>
-        <a:font script="Java" typeface="Javanese Text"/>
-        <a:font script="Lisu" typeface="Segoe UI"/>
-        <a:font script="Mymr" typeface="Myanmar Text"/>
-        <a:font script="Nkoo" typeface="Ebrima"/>
-        <a:font script="Olck" typeface="Nirmala UI"/>
-        <a:font script="Osma" typeface="Ebrima"/>
-        <a:font script="Phag" typeface="Phagspa"/>
-        <a:font script="Syrn" typeface="Estrangelo Edessa"/>
-        <a:font script="Syrj" typeface="Estrangelo Edessa"/>
-        <a:font script="Syre" typeface="Estrangelo Edessa"/>
-        <a:font script="Sora" typeface="Nirmala UI"/>
-        <a:font script="Tale" typeface="Microsoft Tai Le"/>
-        <a:font script="Talu" typeface="Microsoft New Tai Lue"/>
-        <a:font script="Tfng" typeface="Ebrima"/>
       </a:minorFont>
     </a:fontScheme>
-    <a:fmtScheme name="Office">
+    <a:fmtScheme name="Office テーマ">
       <a:fillStyleLst>
         <a:solidFill>
           <a:schemeClr val="phClr"/>
